--- a/Sequência de Ensino/Começando um Jogo/Slide.pptx
+++ b/Sequência de Ensino/Começando um Jogo/Slide.pptx
@@ -1,23 +1,118 @@
 
 <file path=ppt/presentation.xml><?xml version="1.0" encoding="utf-8"?>
-<p:presentation xmlns:a="http://schemas.openxmlformats.org/drawingml/2006/main" xmlns:p="http://schemas.openxmlformats.org/presentationml/2006/main" xmlns:r="http://schemas.openxmlformats.org/officeDocument/2006/relationships">
+<p:presentation xmlns:a="http://schemas.openxmlformats.org/drawingml/2006/main" xmlns:r="http://schemas.openxmlformats.org/officeDocument/2006/relationships" xmlns:p="http://schemas.openxmlformats.org/presentationml/2006/main">
   <p:sldMasterIdLst>
-    <p:sldMasterId id="2147483648" r:id="rId2"/>
-    <p:sldMasterId id="2147483661" r:id="rId3"/>
+    <p:sldMasterId id="2147483648" r:id="rId1"/>
+    <p:sldMasterId id="2147483661" r:id="rId2"/>
   </p:sldMasterIdLst>
   <p:sldIdLst>
-    <p:sldId id="256" r:id="rId4"/>
-    <p:sldId id="257" r:id="rId5"/>
-    <p:sldId id="258" r:id="rId6"/>
-    <p:sldId id="259" r:id="rId7"/>
+    <p:sldId id="256" r:id="rId3"/>
+    <p:sldId id="257" r:id="rId4"/>
+    <p:sldId id="258" r:id="rId5"/>
+    <p:sldId id="259" r:id="rId6"/>
   </p:sldIdLst>
-  <p:sldSz cx="9144000" cy="6858000"/>
-  <p:notesSz cx="7559675" cy="10691812"/>
+  <p:sldSz cx="9144000" cy="6858000" type="screen4x3"/>
+  <p:notesSz cx="7559675" cy="10691813"/>
+  <p:defaultTextStyle>
+    <a:defPPr>
+      <a:defRPr lang="pt-BR"/>
+    </a:defPPr>
+    <a:lvl1pPr marL="0" algn="l" defTabSz="914400" rtl="0" eaLnBrk="1" latinLnBrk="0" hangingPunct="1">
+      <a:defRPr sz="1800" kern="1200">
+        <a:solidFill>
+          <a:schemeClr val="tx1"/>
+        </a:solidFill>
+        <a:latin typeface="+mn-lt"/>
+        <a:ea typeface="+mn-ea"/>
+        <a:cs typeface="+mn-cs"/>
+      </a:defRPr>
+    </a:lvl1pPr>
+    <a:lvl2pPr marL="457200" algn="l" defTabSz="914400" rtl="0" eaLnBrk="1" latinLnBrk="0" hangingPunct="1">
+      <a:defRPr sz="1800" kern="1200">
+        <a:solidFill>
+          <a:schemeClr val="tx1"/>
+        </a:solidFill>
+        <a:latin typeface="+mn-lt"/>
+        <a:ea typeface="+mn-ea"/>
+        <a:cs typeface="+mn-cs"/>
+      </a:defRPr>
+    </a:lvl2pPr>
+    <a:lvl3pPr marL="914400" algn="l" defTabSz="914400" rtl="0" eaLnBrk="1" latinLnBrk="0" hangingPunct="1">
+      <a:defRPr sz="1800" kern="1200">
+        <a:solidFill>
+          <a:schemeClr val="tx1"/>
+        </a:solidFill>
+        <a:latin typeface="+mn-lt"/>
+        <a:ea typeface="+mn-ea"/>
+        <a:cs typeface="+mn-cs"/>
+      </a:defRPr>
+    </a:lvl3pPr>
+    <a:lvl4pPr marL="1371600" algn="l" defTabSz="914400" rtl="0" eaLnBrk="1" latinLnBrk="0" hangingPunct="1">
+      <a:defRPr sz="1800" kern="1200">
+        <a:solidFill>
+          <a:schemeClr val="tx1"/>
+        </a:solidFill>
+        <a:latin typeface="+mn-lt"/>
+        <a:ea typeface="+mn-ea"/>
+        <a:cs typeface="+mn-cs"/>
+      </a:defRPr>
+    </a:lvl4pPr>
+    <a:lvl5pPr marL="1828800" algn="l" defTabSz="914400" rtl="0" eaLnBrk="1" latinLnBrk="0" hangingPunct="1">
+      <a:defRPr sz="1800" kern="1200">
+        <a:solidFill>
+          <a:schemeClr val="tx1"/>
+        </a:solidFill>
+        <a:latin typeface="+mn-lt"/>
+        <a:ea typeface="+mn-ea"/>
+        <a:cs typeface="+mn-cs"/>
+      </a:defRPr>
+    </a:lvl5pPr>
+    <a:lvl6pPr marL="2286000" algn="l" defTabSz="914400" rtl="0" eaLnBrk="1" latinLnBrk="0" hangingPunct="1">
+      <a:defRPr sz="1800" kern="1200">
+        <a:solidFill>
+          <a:schemeClr val="tx1"/>
+        </a:solidFill>
+        <a:latin typeface="+mn-lt"/>
+        <a:ea typeface="+mn-ea"/>
+        <a:cs typeface="+mn-cs"/>
+      </a:defRPr>
+    </a:lvl6pPr>
+    <a:lvl7pPr marL="2743200" algn="l" defTabSz="914400" rtl="0" eaLnBrk="1" latinLnBrk="0" hangingPunct="1">
+      <a:defRPr sz="1800" kern="1200">
+        <a:solidFill>
+          <a:schemeClr val="tx1"/>
+        </a:solidFill>
+        <a:latin typeface="+mn-lt"/>
+        <a:ea typeface="+mn-ea"/>
+        <a:cs typeface="+mn-cs"/>
+      </a:defRPr>
+    </a:lvl7pPr>
+    <a:lvl8pPr marL="3200400" algn="l" defTabSz="914400" rtl="0" eaLnBrk="1" latinLnBrk="0" hangingPunct="1">
+      <a:defRPr sz="1800" kern="1200">
+        <a:solidFill>
+          <a:schemeClr val="tx1"/>
+        </a:solidFill>
+        <a:latin typeface="+mn-lt"/>
+        <a:ea typeface="+mn-ea"/>
+        <a:cs typeface="+mn-cs"/>
+      </a:defRPr>
+    </a:lvl8pPr>
+    <a:lvl9pPr marL="3657600" algn="l" defTabSz="914400" rtl="0" eaLnBrk="1" latinLnBrk="0" hangingPunct="1">
+      <a:defRPr sz="1800" kern="1200">
+        <a:solidFill>
+          <a:schemeClr val="tx1"/>
+        </a:solidFill>
+        <a:latin typeface="+mn-lt"/>
+        <a:ea typeface="+mn-ea"/>
+        <a:cs typeface="+mn-cs"/>
+      </a:defRPr>
+    </a:lvl9pPr>
+  </p:defaultTextStyle>
 </p:presentation>
 </file>
 
 <file path=ppt/slideLayouts/slideLayout1.xml><?xml version="1.0" encoding="utf-8"?>
-<p:sldLayout xmlns:a="http://schemas.openxmlformats.org/drawingml/2006/main" xmlns:p="http://schemas.openxmlformats.org/presentationml/2006/main" xmlns:r="http://schemas.openxmlformats.org/officeDocument/2006/relationships" type="blank" preserve="1">
+<p:sldLayout xmlns:a="http://schemas.openxmlformats.org/drawingml/2006/main" xmlns:r="http://schemas.openxmlformats.org/officeDocument/2006/relationships" xmlns:p="http://schemas.openxmlformats.org/presentationml/2006/main" type="blank" preserve="1">
   <p:cSld name="Blank Slide">
     <p:spTree>
       <p:nvGrpSpPr>
@@ -35,11 +130,14 @@
       </p:grpSpPr>
     </p:spTree>
   </p:cSld>
+  <p:clrMapOvr>
+    <a:masterClrMapping/>
+  </p:clrMapOvr>
 </p:sldLayout>
 </file>
 
 <file path=ppt/slideLayouts/slideLayout10.xml><?xml version="1.0" encoding="utf-8"?>
-<p:sldLayout xmlns:a="http://schemas.openxmlformats.org/drawingml/2006/main" xmlns:p="http://schemas.openxmlformats.org/presentationml/2006/main" xmlns:r="http://schemas.openxmlformats.org/officeDocument/2006/relationships" type="objOverTx" preserve="1">
+<p:sldLayout xmlns:a="http://schemas.openxmlformats.org/drawingml/2006/main" xmlns:r="http://schemas.openxmlformats.org/officeDocument/2006/relationships" xmlns:p="http://schemas.openxmlformats.org/presentationml/2006/main" type="objOverTx" preserve="1">
   <p:cSld name="Title, Content over Content">
     <p:spTree>
       <p:nvGrpSpPr>
@@ -75,7 +173,8 @@
           </a:prstGeom>
         </p:spPr>
         <p:txBody>
-          <a:bodyPr lIns="0" rIns="0" tIns="0" bIns="0" anchor="ctr"/>
+          <a:bodyPr lIns="0" tIns="0" rIns="0" bIns="0" anchor="ctr"/>
+          <a:lstStyle/>
           <a:p>
             <a:pPr algn="ctr"/>
             <a:endParaRPr/>
@@ -102,7 +201,8 @@
           </a:prstGeom>
         </p:spPr>
         <p:txBody>
-          <a:bodyPr lIns="0" rIns="0" tIns="0" bIns="0"/>
+          <a:bodyPr lIns="0" tIns="0" rIns="0" bIns="0"/>
+          <a:lstStyle/>
           <a:p>
             <a:endParaRPr/>
           </a:p>
@@ -128,7 +228,8 @@
           </a:prstGeom>
         </p:spPr>
         <p:txBody>
-          <a:bodyPr lIns="0" rIns="0" tIns="0" bIns="0"/>
+          <a:bodyPr lIns="0" tIns="0" rIns="0" bIns="0"/>
+          <a:lstStyle/>
           <a:p>
             <a:endParaRPr/>
           </a:p>
@@ -136,11 +237,14 @@
       </p:sp>
     </p:spTree>
   </p:cSld>
+  <p:clrMapOvr>
+    <a:masterClrMapping/>
+  </p:clrMapOvr>
 </p:sldLayout>
 </file>
 
 <file path=ppt/slideLayouts/slideLayout11.xml><?xml version="1.0" encoding="utf-8"?>
-<p:sldLayout xmlns:a="http://schemas.openxmlformats.org/drawingml/2006/main" xmlns:p="http://schemas.openxmlformats.org/presentationml/2006/main" xmlns:r="http://schemas.openxmlformats.org/officeDocument/2006/relationships" type="fourObj" preserve="1">
+<p:sldLayout xmlns:a="http://schemas.openxmlformats.org/drawingml/2006/main" xmlns:r="http://schemas.openxmlformats.org/officeDocument/2006/relationships" xmlns:p="http://schemas.openxmlformats.org/presentationml/2006/main" type="fourObj" preserve="1">
   <p:cSld name="Title, 4 Content">
     <p:spTree>
       <p:nvGrpSpPr>
@@ -176,7 +280,8 @@
           </a:prstGeom>
         </p:spPr>
         <p:txBody>
-          <a:bodyPr lIns="0" rIns="0" tIns="0" bIns="0" anchor="ctr"/>
+          <a:bodyPr lIns="0" tIns="0" rIns="0" bIns="0" anchor="ctr"/>
+          <a:lstStyle/>
           <a:p>
             <a:pPr algn="ctr"/>
             <a:endParaRPr/>
@@ -203,7 +308,8 @@
           </a:prstGeom>
         </p:spPr>
         <p:txBody>
-          <a:bodyPr lIns="0" rIns="0" tIns="0" bIns="0"/>
+          <a:bodyPr lIns="0" tIns="0" rIns="0" bIns="0"/>
+          <a:lstStyle/>
           <a:p>
             <a:endParaRPr/>
           </a:p>
@@ -229,7 +335,8 @@
           </a:prstGeom>
         </p:spPr>
         <p:txBody>
-          <a:bodyPr lIns="0" rIns="0" tIns="0" bIns="0"/>
+          <a:bodyPr lIns="0" tIns="0" rIns="0" bIns="0"/>
+          <a:lstStyle/>
           <a:p>
             <a:endParaRPr/>
           </a:p>
@@ -255,7 +362,8 @@
           </a:prstGeom>
         </p:spPr>
         <p:txBody>
-          <a:bodyPr lIns="0" rIns="0" tIns="0" bIns="0"/>
+          <a:bodyPr lIns="0" tIns="0" rIns="0" bIns="0"/>
+          <a:lstStyle/>
           <a:p>
             <a:endParaRPr/>
           </a:p>
@@ -281,7 +389,8 @@
           </a:prstGeom>
         </p:spPr>
         <p:txBody>
-          <a:bodyPr lIns="0" rIns="0" tIns="0" bIns="0"/>
+          <a:bodyPr lIns="0" tIns="0" rIns="0" bIns="0"/>
+          <a:lstStyle/>
           <a:p>
             <a:endParaRPr/>
           </a:p>
@@ -289,11 +398,14 @@
       </p:sp>
     </p:spTree>
   </p:cSld>
+  <p:clrMapOvr>
+    <a:masterClrMapping/>
+  </p:clrMapOvr>
 </p:sldLayout>
 </file>
 
 <file path=ppt/slideLayouts/slideLayout12.xml><?xml version="1.0" encoding="utf-8"?>
-<p:sldLayout xmlns:a="http://schemas.openxmlformats.org/drawingml/2006/main" xmlns:p="http://schemas.openxmlformats.org/presentationml/2006/main" xmlns:r="http://schemas.openxmlformats.org/officeDocument/2006/relationships" type="blank" preserve="1">
+<p:sldLayout xmlns:a="http://schemas.openxmlformats.org/drawingml/2006/main" xmlns:r="http://schemas.openxmlformats.org/officeDocument/2006/relationships" xmlns:p="http://schemas.openxmlformats.org/presentationml/2006/main" type="blank" preserve="1">
   <p:cSld name="Title, 6 Content">
     <p:spTree>
       <p:nvGrpSpPr>
@@ -329,7 +441,8 @@
           </a:prstGeom>
         </p:spPr>
         <p:txBody>
-          <a:bodyPr lIns="0" rIns="0" tIns="0" bIns="0" anchor="ctr"/>
+          <a:bodyPr lIns="0" tIns="0" rIns="0" bIns="0" anchor="ctr"/>
+          <a:lstStyle/>
           <a:p>
             <a:pPr algn="ctr"/>
             <a:endParaRPr/>
@@ -356,7 +469,8 @@
           </a:prstGeom>
         </p:spPr>
         <p:txBody>
-          <a:bodyPr lIns="0" rIns="0" tIns="0" bIns="0"/>
+          <a:bodyPr lIns="0" tIns="0" rIns="0" bIns="0"/>
+          <a:lstStyle/>
           <a:p>
             <a:endParaRPr/>
           </a:p>
@@ -382,7 +496,8 @@
           </a:prstGeom>
         </p:spPr>
         <p:txBody>
-          <a:bodyPr lIns="0" rIns="0" tIns="0" bIns="0"/>
+          <a:bodyPr lIns="0" tIns="0" rIns="0" bIns="0"/>
+          <a:lstStyle/>
           <a:p>
             <a:endParaRPr/>
           </a:p>
@@ -390,7 +505,7 @@
       </p:sp>
       <p:pic>
         <p:nvPicPr>
-          <p:cNvPr id="34" name="" descr=""/>
+          <p:cNvPr id="34" name="Imagem 33"/>
           <p:cNvPicPr/>
           <p:nvPr/>
         </p:nvPicPr>
@@ -413,12 +528,12 @@
       </p:pic>
       <p:pic>
         <p:nvPicPr>
-          <p:cNvPr id="35" name="" descr=""/>
+          <p:cNvPr id="35" name="Imagem 34"/>
           <p:cNvPicPr/>
           <p:nvPr/>
         </p:nvPicPr>
         <p:blipFill>
-          <a:blip r:embed="rId3"/>
+          <a:blip r:embed="rId2"/>
           <a:stretch/>
         </p:blipFill>
         <p:spPr>
@@ -436,11 +551,14 @@
       </p:pic>
     </p:spTree>
   </p:cSld>
+  <p:clrMapOvr>
+    <a:masterClrMapping/>
+  </p:clrMapOvr>
 </p:sldLayout>
 </file>
 
 <file path=ppt/slideLayouts/slideLayout13.xml><?xml version="1.0" encoding="utf-8"?>
-<p:sldLayout xmlns:a="http://schemas.openxmlformats.org/drawingml/2006/main" xmlns:p="http://schemas.openxmlformats.org/presentationml/2006/main" xmlns:r="http://schemas.openxmlformats.org/officeDocument/2006/relationships" type="blank" preserve="1">
+<p:sldLayout xmlns:a="http://schemas.openxmlformats.org/drawingml/2006/main" xmlns:r="http://schemas.openxmlformats.org/officeDocument/2006/relationships" xmlns:p="http://schemas.openxmlformats.org/presentationml/2006/main" type="blank" preserve="1">
   <p:cSld name="Blank Slide">
     <p:spTree>
       <p:nvGrpSpPr>
@@ -458,11 +576,14 @@
       </p:grpSpPr>
     </p:spTree>
   </p:cSld>
+  <p:clrMapOvr>
+    <a:masterClrMapping/>
+  </p:clrMapOvr>
 </p:sldLayout>
 </file>
 
 <file path=ppt/slideLayouts/slideLayout14.xml><?xml version="1.0" encoding="utf-8"?>
-<p:sldLayout xmlns:a="http://schemas.openxmlformats.org/drawingml/2006/main" xmlns:p="http://schemas.openxmlformats.org/presentationml/2006/main" xmlns:r="http://schemas.openxmlformats.org/officeDocument/2006/relationships" type="tx" preserve="1">
+<p:sldLayout xmlns:a="http://schemas.openxmlformats.org/drawingml/2006/main" xmlns:r="http://schemas.openxmlformats.org/officeDocument/2006/relationships" xmlns:p="http://schemas.openxmlformats.org/presentationml/2006/main" type="tx" preserve="1">
   <p:cSld name="Title Slide">
     <p:spTree>
       <p:nvGrpSpPr>
@@ -498,7 +619,8 @@
           </a:prstGeom>
         </p:spPr>
         <p:txBody>
-          <a:bodyPr lIns="0" rIns="0" tIns="0" bIns="0" anchor="ctr"/>
+          <a:bodyPr lIns="0" tIns="0" rIns="0" bIns="0" anchor="ctr"/>
+          <a:lstStyle/>
           <a:p>
             <a:pPr algn="ctr"/>
             <a:endParaRPr/>
@@ -525,7 +647,8 @@
           </a:prstGeom>
         </p:spPr>
         <p:txBody>
-          <a:bodyPr lIns="0" rIns="0" tIns="0" bIns="0" anchor="ctr"/>
+          <a:bodyPr lIns="0" tIns="0" rIns="0" bIns="0" anchor="ctr"/>
+          <a:lstStyle/>
           <a:p>
             <a:pPr algn="ctr"/>
             <a:endParaRPr/>
@@ -534,11 +657,14 @@
       </p:sp>
     </p:spTree>
   </p:cSld>
+  <p:clrMapOvr>
+    <a:masterClrMapping/>
+  </p:clrMapOvr>
 </p:sldLayout>
 </file>
 
 <file path=ppt/slideLayouts/slideLayout15.xml><?xml version="1.0" encoding="utf-8"?>
-<p:sldLayout xmlns:a="http://schemas.openxmlformats.org/drawingml/2006/main" xmlns:p="http://schemas.openxmlformats.org/presentationml/2006/main" xmlns:r="http://schemas.openxmlformats.org/officeDocument/2006/relationships" type="obj" preserve="1">
+<p:sldLayout xmlns:a="http://schemas.openxmlformats.org/drawingml/2006/main" xmlns:r="http://schemas.openxmlformats.org/officeDocument/2006/relationships" xmlns:p="http://schemas.openxmlformats.org/presentationml/2006/main" type="obj" preserve="1">
   <p:cSld name="Title, Content">
     <p:spTree>
       <p:nvGrpSpPr>
@@ -574,7 +700,8 @@
           </a:prstGeom>
         </p:spPr>
         <p:txBody>
-          <a:bodyPr lIns="0" rIns="0" tIns="0" bIns="0" anchor="ctr"/>
+          <a:bodyPr lIns="0" tIns="0" rIns="0" bIns="0" anchor="ctr"/>
+          <a:lstStyle/>
           <a:p>
             <a:pPr algn="ctr"/>
             <a:endParaRPr/>
@@ -601,7 +728,8 @@
           </a:prstGeom>
         </p:spPr>
         <p:txBody>
-          <a:bodyPr lIns="0" rIns="0" tIns="0" bIns="0"/>
+          <a:bodyPr lIns="0" tIns="0" rIns="0" bIns="0"/>
+          <a:lstStyle/>
           <a:p>
             <a:endParaRPr/>
           </a:p>
@@ -609,11 +737,14 @@
       </p:sp>
     </p:spTree>
   </p:cSld>
+  <p:clrMapOvr>
+    <a:masterClrMapping/>
+  </p:clrMapOvr>
 </p:sldLayout>
 </file>
 
 <file path=ppt/slideLayouts/slideLayout16.xml><?xml version="1.0" encoding="utf-8"?>
-<p:sldLayout xmlns:a="http://schemas.openxmlformats.org/drawingml/2006/main" xmlns:p="http://schemas.openxmlformats.org/presentationml/2006/main" xmlns:r="http://schemas.openxmlformats.org/officeDocument/2006/relationships" type="twoObj" preserve="1">
+<p:sldLayout xmlns:a="http://schemas.openxmlformats.org/drawingml/2006/main" xmlns:r="http://schemas.openxmlformats.org/officeDocument/2006/relationships" xmlns:p="http://schemas.openxmlformats.org/presentationml/2006/main" type="twoObj" preserve="1">
   <p:cSld name="Title, 2 Content">
     <p:spTree>
       <p:nvGrpSpPr>
@@ -649,7 +780,8 @@
           </a:prstGeom>
         </p:spPr>
         <p:txBody>
-          <a:bodyPr lIns="0" rIns="0" tIns="0" bIns="0" anchor="ctr"/>
+          <a:bodyPr lIns="0" tIns="0" rIns="0" bIns="0" anchor="ctr"/>
+          <a:lstStyle/>
           <a:p>
             <a:pPr algn="ctr"/>
             <a:endParaRPr/>
@@ -676,7 +808,8 @@
           </a:prstGeom>
         </p:spPr>
         <p:txBody>
-          <a:bodyPr lIns="0" rIns="0" tIns="0" bIns="0"/>
+          <a:bodyPr lIns="0" tIns="0" rIns="0" bIns="0"/>
+          <a:lstStyle/>
           <a:p>
             <a:endParaRPr/>
           </a:p>
@@ -702,7 +835,8 @@
           </a:prstGeom>
         </p:spPr>
         <p:txBody>
-          <a:bodyPr lIns="0" rIns="0" tIns="0" bIns="0"/>
+          <a:bodyPr lIns="0" tIns="0" rIns="0" bIns="0"/>
+          <a:lstStyle/>
           <a:p>
             <a:endParaRPr/>
           </a:p>
@@ -710,11 +844,14 @@
       </p:sp>
     </p:spTree>
   </p:cSld>
+  <p:clrMapOvr>
+    <a:masterClrMapping/>
+  </p:clrMapOvr>
 </p:sldLayout>
 </file>
 
 <file path=ppt/slideLayouts/slideLayout17.xml><?xml version="1.0" encoding="utf-8"?>
-<p:sldLayout xmlns:a="http://schemas.openxmlformats.org/drawingml/2006/main" xmlns:p="http://schemas.openxmlformats.org/presentationml/2006/main" xmlns:r="http://schemas.openxmlformats.org/officeDocument/2006/relationships" type="titleOnly" preserve="1">
+<p:sldLayout xmlns:a="http://schemas.openxmlformats.org/drawingml/2006/main" xmlns:r="http://schemas.openxmlformats.org/officeDocument/2006/relationships" xmlns:p="http://schemas.openxmlformats.org/presentationml/2006/main" type="titleOnly" preserve="1">
   <p:cSld name="Title Only">
     <p:spTree>
       <p:nvGrpSpPr>
@@ -750,7 +887,8 @@
           </a:prstGeom>
         </p:spPr>
         <p:txBody>
-          <a:bodyPr lIns="0" rIns="0" tIns="0" bIns="0" anchor="ctr"/>
+          <a:bodyPr lIns="0" tIns="0" rIns="0" bIns="0" anchor="ctr"/>
+          <a:lstStyle/>
           <a:p>
             <a:pPr algn="ctr"/>
             <a:endParaRPr/>
@@ -759,11 +897,14 @@
       </p:sp>
     </p:spTree>
   </p:cSld>
+  <p:clrMapOvr>
+    <a:masterClrMapping/>
+  </p:clrMapOvr>
 </p:sldLayout>
 </file>
 
 <file path=ppt/slideLayouts/slideLayout18.xml><?xml version="1.0" encoding="utf-8"?>
-<p:sldLayout xmlns:a="http://schemas.openxmlformats.org/drawingml/2006/main" xmlns:p="http://schemas.openxmlformats.org/presentationml/2006/main" xmlns:r="http://schemas.openxmlformats.org/officeDocument/2006/relationships" type="objOnly" preserve="1">
+<p:sldLayout xmlns:a="http://schemas.openxmlformats.org/drawingml/2006/main" xmlns:r="http://schemas.openxmlformats.org/officeDocument/2006/relationships" xmlns:p="http://schemas.openxmlformats.org/presentationml/2006/main" type="objOnly" preserve="1">
   <p:cSld name="Centered Text">
     <p:spTree>
       <p:nvGrpSpPr>
@@ -799,7 +940,8 @@
           </a:prstGeom>
         </p:spPr>
         <p:txBody>
-          <a:bodyPr lIns="0" rIns="0" tIns="0" bIns="0" anchor="ctr"/>
+          <a:bodyPr lIns="0" tIns="0" rIns="0" bIns="0" anchor="ctr"/>
+          <a:lstStyle/>
           <a:p>
             <a:pPr algn="ctr"/>
             <a:endParaRPr/>
@@ -808,11 +950,14 @@
       </p:sp>
     </p:spTree>
   </p:cSld>
+  <p:clrMapOvr>
+    <a:masterClrMapping/>
+  </p:clrMapOvr>
 </p:sldLayout>
 </file>
 
 <file path=ppt/slideLayouts/slideLayout19.xml><?xml version="1.0" encoding="utf-8"?>
-<p:sldLayout xmlns:a="http://schemas.openxmlformats.org/drawingml/2006/main" xmlns:p="http://schemas.openxmlformats.org/presentationml/2006/main" xmlns:r="http://schemas.openxmlformats.org/officeDocument/2006/relationships" type="twoObjAndObj" preserve="1">
+<p:sldLayout xmlns:a="http://schemas.openxmlformats.org/drawingml/2006/main" xmlns:r="http://schemas.openxmlformats.org/officeDocument/2006/relationships" xmlns:p="http://schemas.openxmlformats.org/presentationml/2006/main" type="twoObjAndObj" preserve="1">
   <p:cSld name="Title, 2 Content and Content">
     <p:spTree>
       <p:nvGrpSpPr>
@@ -848,7 +993,8 @@
           </a:prstGeom>
         </p:spPr>
         <p:txBody>
-          <a:bodyPr lIns="0" rIns="0" tIns="0" bIns="0" anchor="ctr"/>
+          <a:bodyPr lIns="0" tIns="0" rIns="0" bIns="0" anchor="ctr"/>
+          <a:lstStyle/>
           <a:p>
             <a:pPr algn="ctr"/>
             <a:endParaRPr/>
@@ -875,7 +1021,8 @@
           </a:prstGeom>
         </p:spPr>
         <p:txBody>
-          <a:bodyPr lIns="0" rIns="0" tIns="0" bIns="0"/>
+          <a:bodyPr lIns="0" tIns="0" rIns="0" bIns="0"/>
+          <a:lstStyle/>
           <a:p>
             <a:endParaRPr/>
           </a:p>
@@ -901,7 +1048,8 @@
           </a:prstGeom>
         </p:spPr>
         <p:txBody>
-          <a:bodyPr lIns="0" rIns="0" tIns="0" bIns="0"/>
+          <a:bodyPr lIns="0" tIns="0" rIns="0" bIns="0"/>
+          <a:lstStyle/>
           <a:p>
             <a:endParaRPr/>
           </a:p>
@@ -927,7 +1075,8 @@
           </a:prstGeom>
         </p:spPr>
         <p:txBody>
-          <a:bodyPr lIns="0" rIns="0" tIns="0" bIns="0"/>
+          <a:bodyPr lIns="0" tIns="0" rIns="0" bIns="0"/>
+          <a:lstStyle/>
           <a:p>
             <a:endParaRPr/>
           </a:p>
@@ -935,11 +1084,14 @@
       </p:sp>
     </p:spTree>
   </p:cSld>
+  <p:clrMapOvr>
+    <a:masterClrMapping/>
+  </p:clrMapOvr>
 </p:sldLayout>
 </file>
 
 <file path=ppt/slideLayouts/slideLayout2.xml><?xml version="1.0" encoding="utf-8"?>
-<p:sldLayout xmlns:a="http://schemas.openxmlformats.org/drawingml/2006/main" xmlns:p="http://schemas.openxmlformats.org/presentationml/2006/main" xmlns:r="http://schemas.openxmlformats.org/officeDocument/2006/relationships" type="tx" preserve="1">
+<p:sldLayout xmlns:a="http://schemas.openxmlformats.org/drawingml/2006/main" xmlns:r="http://schemas.openxmlformats.org/officeDocument/2006/relationships" xmlns:p="http://schemas.openxmlformats.org/presentationml/2006/main" type="tx" preserve="1">
   <p:cSld name="Title Slide">
     <p:spTree>
       <p:nvGrpSpPr>
@@ -975,7 +1127,8 @@
           </a:prstGeom>
         </p:spPr>
         <p:txBody>
-          <a:bodyPr lIns="0" rIns="0" tIns="0" bIns="0" anchor="ctr"/>
+          <a:bodyPr lIns="0" tIns="0" rIns="0" bIns="0" anchor="ctr"/>
+          <a:lstStyle/>
           <a:p>
             <a:pPr algn="ctr"/>
             <a:endParaRPr/>
@@ -1002,7 +1155,8 @@
           </a:prstGeom>
         </p:spPr>
         <p:txBody>
-          <a:bodyPr lIns="0" rIns="0" tIns="0" bIns="0" anchor="ctr"/>
+          <a:bodyPr lIns="0" tIns="0" rIns="0" bIns="0" anchor="ctr"/>
+          <a:lstStyle/>
           <a:p>
             <a:pPr algn="ctr"/>
             <a:endParaRPr/>
@@ -1011,11 +1165,14 @@
       </p:sp>
     </p:spTree>
   </p:cSld>
+  <p:clrMapOvr>
+    <a:masterClrMapping/>
+  </p:clrMapOvr>
 </p:sldLayout>
 </file>
 
 <file path=ppt/slideLayouts/slideLayout20.xml><?xml version="1.0" encoding="utf-8"?>
-<p:sldLayout xmlns:a="http://schemas.openxmlformats.org/drawingml/2006/main" xmlns:p="http://schemas.openxmlformats.org/presentationml/2006/main" xmlns:r="http://schemas.openxmlformats.org/officeDocument/2006/relationships" type="objAndTwoObj" preserve="1">
+<p:sldLayout xmlns:a="http://schemas.openxmlformats.org/drawingml/2006/main" xmlns:r="http://schemas.openxmlformats.org/officeDocument/2006/relationships" xmlns:p="http://schemas.openxmlformats.org/presentationml/2006/main" type="objAndTwoObj" preserve="1">
   <p:cSld name="Title Content and 2 Content">
     <p:spTree>
       <p:nvGrpSpPr>
@@ -1051,7 +1208,8 @@
           </a:prstGeom>
         </p:spPr>
         <p:txBody>
-          <a:bodyPr lIns="0" rIns="0" tIns="0" bIns="0" anchor="ctr"/>
+          <a:bodyPr lIns="0" tIns="0" rIns="0" bIns="0" anchor="ctr"/>
+          <a:lstStyle/>
           <a:p>
             <a:pPr algn="ctr"/>
             <a:endParaRPr/>
@@ -1078,7 +1236,8 @@
           </a:prstGeom>
         </p:spPr>
         <p:txBody>
-          <a:bodyPr lIns="0" rIns="0" tIns="0" bIns="0"/>
+          <a:bodyPr lIns="0" tIns="0" rIns="0" bIns="0"/>
+          <a:lstStyle/>
           <a:p>
             <a:endParaRPr/>
           </a:p>
@@ -1104,7 +1263,8 @@
           </a:prstGeom>
         </p:spPr>
         <p:txBody>
-          <a:bodyPr lIns="0" rIns="0" tIns="0" bIns="0"/>
+          <a:bodyPr lIns="0" tIns="0" rIns="0" bIns="0"/>
+          <a:lstStyle/>
           <a:p>
             <a:endParaRPr/>
           </a:p>
@@ -1130,7 +1290,8 @@
           </a:prstGeom>
         </p:spPr>
         <p:txBody>
-          <a:bodyPr lIns="0" rIns="0" tIns="0" bIns="0"/>
+          <a:bodyPr lIns="0" tIns="0" rIns="0" bIns="0"/>
+          <a:lstStyle/>
           <a:p>
             <a:endParaRPr/>
           </a:p>
@@ -1138,11 +1299,14 @@
       </p:sp>
     </p:spTree>
   </p:cSld>
+  <p:clrMapOvr>
+    <a:masterClrMapping/>
+  </p:clrMapOvr>
 </p:sldLayout>
 </file>
 
 <file path=ppt/slideLayouts/slideLayout21.xml><?xml version="1.0" encoding="utf-8"?>
-<p:sldLayout xmlns:a="http://schemas.openxmlformats.org/drawingml/2006/main" xmlns:p="http://schemas.openxmlformats.org/presentationml/2006/main" xmlns:r="http://schemas.openxmlformats.org/officeDocument/2006/relationships" type="twoObjOverTx" preserve="1">
+<p:sldLayout xmlns:a="http://schemas.openxmlformats.org/drawingml/2006/main" xmlns:r="http://schemas.openxmlformats.org/officeDocument/2006/relationships" xmlns:p="http://schemas.openxmlformats.org/presentationml/2006/main" type="twoObjOverTx" preserve="1">
   <p:cSld name="Title, 2 Content over Content">
     <p:spTree>
       <p:nvGrpSpPr>
@@ -1178,7 +1342,8 @@
           </a:prstGeom>
         </p:spPr>
         <p:txBody>
-          <a:bodyPr lIns="0" rIns="0" tIns="0" bIns="0" anchor="ctr"/>
+          <a:bodyPr lIns="0" tIns="0" rIns="0" bIns="0" anchor="ctr"/>
+          <a:lstStyle/>
           <a:p>
             <a:pPr algn="ctr"/>
             <a:endParaRPr/>
@@ -1205,7 +1370,8 @@
           </a:prstGeom>
         </p:spPr>
         <p:txBody>
-          <a:bodyPr lIns="0" rIns="0" tIns="0" bIns="0"/>
+          <a:bodyPr lIns="0" tIns="0" rIns="0" bIns="0"/>
+          <a:lstStyle/>
           <a:p>
             <a:endParaRPr/>
           </a:p>
@@ -1231,7 +1397,8 @@
           </a:prstGeom>
         </p:spPr>
         <p:txBody>
-          <a:bodyPr lIns="0" rIns="0" tIns="0" bIns="0"/>
+          <a:bodyPr lIns="0" tIns="0" rIns="0" bIns="0"/>
+          <a:lstStyle/>
           <a:p>
             <a:endParaRPr/>
           </a:p>
@@ -1257,7 +1424,8 @@
           </a:prstGeom>
         </p:spPr>
         <p:txBody>
-          <a:bodyPr lIns="0" rIns="0" tIns="0" bIns="0"/>
+          <a:bodyPr lIns="0" tIns="0" rIns="0" bIns="0"/>
+          <a:lstStyle/>
           <a:p>
             <a:endParaRPr/>
           </a:p>
@@ -1265,11 +1433,14 @@
       </p:sp>
     </p:spTree>
   </p:cSld>
+  <p:clrMapOvr>
+    <a:masterClrMapping/>
+  </p:clrMapOvr>
 </p:sldLayout>
 </file>
 
 <file path=ppt/slideLayouts/slideLayout22.xml><?xml version="1.0" encoding="utf-8"?>
-<p:sldLayout xmlns:a="http://schemas.openxmlformats.org/drawingml/2006/main" xmlns:p="http://schemas.openxmlformats.org/presentationml/2006/main" xmlns:r="http://schemas.openxmlformats.org/officeDocument/2006/relationships" type="objOverTx" preserve="1">
+<p:sldLayout xmlns:a="http://schemas.openxmlformats.org/drawingml/2006/main" xmlns:r="http://schemas.openxmlformats.org/officeDocument/2006/relationships" xmlns:p="http://schemas.openxmlformats.org/presentationml/2006/main" type="objOverTx" preserve="1">
   <p:cSld name="Title, Content over Content">
     <p:spTree>
       <p:nvGrpSpPr>
@@ -1305,7 +1476,8 @@
           </a:prstGeom>
         </p:spPr>
         <p:txBody>
-          <a:bodyPr lIns="0" rIns="0" tIns="0" bIns="0" anchor="ctr"/>
+          <a:bodyPr lIns="0" tIns="0" rIns="0" bIns="0" anchor="ctr"/>
+          <a:lstStyle/>
           <a:p>
             <a:pPr algn="ctr"/>
             <a:endParaRPr/>
@@ -1332,7 +1504,8 @@
           </a:prstGeom>
         </p:spPr>
         <p:txBody>
-          <a:bodyPr lIns="0" rIns="0" tIns="0" bIns="0"/>
+          <a:bodyPr lIns="0" tIns="0" rIns="0" bIns="0"/>
+          <a:lstStyle/>
           <a:p>
             <a:endParaRPr/>
           </a:p>
@@ -1358,7 +1531,8 @@
           </a:prstGeom>
         </p:spPr>
         <p:txBody>
-          <a:bodyPr lIns="0" rIns="0" tIns="0" bIns="0"/>
+          <a:bodyPr lIns="0" tIns="0" rIns="0" bIns="0"/>
+          <a:lstStyle/>
           <a:p>
             <a:endParaRPr/>
           </a:p>
@@ -1366,11 +1540,14 @@
       </p:sp>
     </p:spTree>
   </p:cSld>
+  <p:clrMapOvr>
+    <a:masterClrMapping/>
+  </p:clrMapOvr>
 </p:sldLayout>
 </file>
 
 <file path=ppt/slideLayouts/slideLayout23.xml><?xml version="1.0" encoding="utf-8"?>
-<p:sldLayout xmlns:a="http://schemas.openxmlformats.org/drawingml/2006/main" xmlns:p="http://schemas.openxmlformats.org/presentationml/2006/main" xmlns:r="http://schemas.openxmlformats.org/officeDocument/2006/relationships" type="fourObj" preserve="1">
+<p:sldLayout xmlns:a="http://schemas.openxmlformats.org/drawingml/2006/main" xmlns:r="http://schemas.openxmlformats.org/officeDocument/2006/relationships" xmlns:p="http://schemas.openxmlformats.org/presentationml/2006/main" type="fourObj" preserve="1">
   <p:cSld name="Title, 4 Content">
     <p:spTree>
       <p:nvGrpSpPr>
@@ -1406,7 +1583,8 @@
           </a:prstGeom>
         </p:spPr>
         <p:txBody>
-          <a:bodyPr lIns="0" rIns="0" tIns="0" bIns="0" anchor="ctr"/>
+          <a:bodyPr lIns="0" tIns="0" rIns="0" bIns="0" anchor="ctr"/>
+          <a:lstStyle/>
           <a:p>
             <a:pPr algn="ctr"/>
             <a:endParaRPr/>
@@ -1433,7 +1611,8 @@
           </a:prstGeom>
         </p:spPr>
         <p:txBody>
-          <a:bodyPr lIns="0" rIns="0" tIns="0" bIns="0"/>
+          <a:bodyPr lIns="0" tIns="0" rIns="0" bIns="0"/>
+          <a:lstStyle/>
           <a:p>
             <a:endParaRPr/>
           </a:p>
@@ -1459,7 +1638,8 @@
           </a:prstGeom>
         </p:spPr>
         <p:txBody>
-          <a:bodyPr lIns="0" rIns="0" tIns="0" bIns="0"/>
+          <a:bodyPr lIns="0" tIns="0" rIns="0" bIns="0"/>
+          <a:lstStyle/>
           <a:p>
             <a:endParaRPr/>
           </a:p>
@@ -1485,7 +1665,8 @@
           </a:prstGeom>
         </p:spPr>
         <p:txBody>
-          <a:bodyPr lIns="0" rIns="0" tIns="0" bIns="0"/>
+          <a:bodyPr lIns="0" tIns="0" rIns="0" bIns="0"/>
+          <a:lstStyle/>
           <a:p>
             <a:endParaRPr/>
           </a:p>
@@ -1511,7 +1692,8 @@
           </a:prstGeom>
         </p:spPr>
         <p:txBody>
-          <a:bodyPr lIns="0" rIns="0" tIns="0" bIns="0"/>
+          <a:bodyPr lIns="0" tIns="0" rIns="0" bIns="0"/>
+          <a:lstStyle/>
           <a:p>
             <a:endParaRPr/>
           </a:p>
@@ -1519,11 +1701,14 @@
       </p:sp>
     </p:spTree>
   </p:cSld>
+  <p:clrMapOvr>
+    <a:masterClrMapping/>
+  </p:clrMapOvr>
 </p:sldLayout>
 </file>
 
 <file path=ppt/slideLayouts/slideLayout24.xml><?xml version="1.0" encoding="utf-8"?>
-<p:sldLayout xmlns:a="http://schemas.openxmlformats.org/drawingml/2006/main" xmlns:p="http://schemas.openxmlformats.org/presentationml/2006/main" xmlns:r="http://schemas.openxmlformats.org/officeDocument/2006/relationships" type="blank" preserve="1">
+<p:sldLayout xmlns:a="http://schemas.openxmlformats.org/drawingml/2006/main" xmlns:r="http://schemas.openxmlformats.org/officeDocument/2006/relationships" xmlns:p="http://schemas.openxmlformats.org/presentationml/2006/main" type="blank" preserve="1">
   <p:cSld name="Title, 6 Content">
     <p:spTree>
       <p:nvGrpSpPr>
@@ -1559,7 +1744,8 @@
           </a:prstGeom>
         </p:spPr>
         <p:txBody>
-          <a:bodyPr lIns="0" rIns="0" tIns="0" bIns="0" anchor="ctr"/>
+          <a:bodyPr lIns="0" tIns="0" rIns="0" bIns="0" anchor="ctr"/>
+          <a:lstStyle/>
           <a:p>
             <a:pPr algn="ctr"/>
             <a:endParaRPr/>
@@ -1586,7 +1772,8 @@
           </a:prstGeom>
         </p:spPr>
         <p:txBody>
-          <a:bodyPr lIns="0" rIns="0" tIns="0" bIns="0"/>
+          <a:bodyPr lIns="0" tIns="0" rIns="0" bIns="0"/>
+          <a:lstStyle/>
           <a:p>
             <a:endParaRPr/>
           </a:p>
@@ -1612,7 +1799,8 @@
           </a:prstGeom>
         </p:spPr>
         <p:txBody>
-          <a:bodyPr lIns="0" rIns="0" tIns="0" bIns="0"/>
+          <a:bodyPr lIns="0" tIns="0" rIns="0" bIns="0"/>
+          <a:lstStyle/>
           <a:p>
             <a:endParaRPr/>
           </a:p>
@@ -1620,7 +1808,7 @@
       </p:sp>
       <p:pic>
         <p:nvPicPr>
-          <p:cNvPr id="70" name="" descr=""/>
+          <p:cNvPr id="70" name="Imagem 69"/>
           <p:cNvPicPr/>
           <p:nvPr/>
         </p:nvPicPr>
@@ -1643,12 +1831,12 @@
       </p:pic>
       <p:pic>
         <p:nvPicPr>
-          <p:cNvPr id="71" name="" descr=""/>
+          <p:cNvPr id="71" name="Imagem 70"/>
           <p:cNvPicPr/>
           <p:nvPr/>
         </p:nvPicPr>
         <p:blipFill>
-          <a:blip r:embed="rId3"/>
+          <a:blip r:embed="rId2"/>
           <a:stretch/>
         </p:blipFill>
         <p:spPr>
@@ -1666,11 +1854,14 @@
       </p:pic>
     </p:spTree>
   </p:cSld>
+  <p:clrMapOvr>
+    <a:masterClrMapping/>
+  </p:clrMapOvr>
 </p:sldLayout>
 </file>
 
 <file path=ppt/slideLayouts/slideLayout3.xml><?xml version="1.0" encoding="utf-8"?>
-<p:sldLayout xmlns:a="http://schemas.openxmlformats.org/drawingml/2006/main" xmlns:p="http://schemas.openxmlformats.org/presentationml/2006/main" xmlns:r="http://schemas.openxmlformats.org/officeDocument/2006/relationships" type="obj" preserve="1">
+<p:sldLayout xmlns:a="http://schemas.openxmlformats.org/drawingml/2006/main" xmlns:r="http://schemas.openxmlformats.org/officeDocument/2006/relationships" xmlns:p="http://schemas.openxmlformats.org/presentationml/2006/main" type="obj" preserve="1">
   <p:cSld name="Title, Content">
     <p:spTree>
       <p:nvGrpSpPr>
@@ -1706,7 +1897,8 @@
           </a:prstGeom>
         </p:spPr>
         <p:txBody>
-          <a:bodyPr lIns="0" rIns="0" tIns="0" bIns="0" anchor="ctr"/>
+          <a:bodyPr lIns="0" tIns="0" rIns="0" bIns="0" anchor="ctr"/>
+          <a:lstStyle/>
           <a:p>
             <a:pPr algn="ctr"/>
             <a:endParaRPr/>
@@ -1733,7 +1925,8 @@
           </a:prstGeom>
         </p:spPr>
         <p:txBody>
-          <a:bodyPr lIns="0" rIns="0" tIns="0" bIns="0"/>
+          <a:bodyPr lIns="0" tIns="0" rIns="0" bIns="0"/>
+          <a:lstStyle/>
           <a:p>
             <a:endParaRPr/>
           </a:p>
@@ -1741,11 +1934,14 @@
       </p:sp>
     </p:spTree>
   </p:cSld>
+  <p:clrMapOvr>
+    <a:masterClrMapping/>
+  </p:clrMapOvr>
 </p:sldLayout>
 </file>
 
 <file path=ppt/slideLayouts/slideLayout4.xml><?xml version="1.0" encoding="utf-8"?>
-<p:sldLayout xmlns:a="http://schemas.openxmlformats.org/drawingml/2006/main" xmlns:p="http://schemas.openxmlformats.org/presentationml/2006/main" xmlns:r="http://schemas.openxmlformats.org/officeDocument/2006/relationships" type="twoObj" preserve="1">
+<p:sldLayout xmlns:a="http://schemas.openxmlformats.org/drawingml/2006/main" xmlns:r="http://schemas.openxmlformats.org/officeDocument/2006/relationships" xmlns:p="http://schemas.openxmlformats.org/presentationml/2006/main" type="twoObj" preserve="1">
   <p:cSld name="Title, 2 Content">
     <p:spTree>
       <p:nvGrpSpPr>
@@ -1781,7 +1977,8 @@
           </a:prstGeom>
         </p:spPr>
         <p:txBody>
-          <a:bodyPr lIns="0" rIns="0" tIns="0" bIns="0" anchor="ctr"/>
+          <a:bodyPr lIns="0" tIns="0" rIns="0" bIns="0" anchor="ctr"/>
+          <a:lstStyle/>
           <a:p>
             <a:pPr algn="ctr"/>
             <a:endParaRPr/>
@@ -1808,7 +2005,8 @@
           </a:prstGeom>
         </p:spPr>
         <p:txBody>
-          <a:bodyPr lIns="0" rIns="0" tIns="0" bIns="0"/>
+          <a:bodyPr lIns="0" tIns="0" rIns="0" bIns="0"/>
+          <a:lstStyle/>
           <a:p>
             <a:endParaRPr/>
           </a:p>
@@ -1834,7 +2032,8 @@
           </a:prstGeom>
         </p:spPr>
         <p:txBody>
-          <a:bodyPr lIns="0" rIns="0" tIns="0" bIns="0"/>
+          <a:bodyPr lIns="0" tIns="0" rIns="0" bIns="0"/>
+          <a:lstStyle/>
           <a:p>
             <a:endParaRPr/>
           </a:p>
@@ -1842,11 +2041,14 @@
       </p:sp>
     </p:spTree>
   </p:cSld>
+  <p:clrMapOvr>
+    <a:masterClrMapping/>
+  </p:clrMapOvr>
 </p:sldLayout>
 </file>
 
 <file path=ppt/slideLayouts/slideLayout5.xml><?xml version="1.0" encoding="utf-8"?>
-<p:sldLayout xmlns:a="http://schemas.openxmlformats.org/drawingml/2006/main" xmlns:p="http://schemas.openxmlformats.org/presentationml/2006/main" xmlns:r="http://schemas.openxmlformats.org/officeDocument/2006/relationships" type="titleOnly" preserve="1">
+<p:sldLayout xmlns:a="http://schemas.openxmlformats.org/drawingml/2006/main" xmlns:r="http://schemas.openxmlformats.org/officeDocument/2006/relationships" xmlns:p="http://schemas.openxmlformats.org/presentationml/2006/main" type="titleOnly" preserve="1">
   <p:cSld name="Title Only">
     <p:spTree>
       <p:nvGrpSpPr>
@@ -1882,7 +2084,8 @@
           </a:prstGeom>
         </p:spPr>
         <p:txBody>
-          <a:bodyPr lIns="0" rIns="0" tIns="0" bIns="0" anchor="ctr"/>
+          <a:bodyPr lIns="0" tIns="0" rIns="0" bIns="0" anchor="ctr"/>
+          <a:lstStyle/>
           <a:p>
             <a:pPr algn="ctr"/>
             <a:endParaRPr/>
@@ -1891,11 +2094,14 @@
       </p:sp>
     </p:spTree>
   </p:cSld>
+  <p:clrMapOvr>
+    <a:masterClrMapping/>
+  </p:clrMapOvr>
 </p:sldLayout>
 </file>
 
 <file path=ppt/slideLayouts/slideLayout6.xml><?xml version="1.0" encoding="utf-8"?>
-<p:sldLayout xmlns:a="http://schemas.openxmlformats.org/drawingml/2006/main" xmlns:p="http://schemas.openxmlformats.org/presentationml/2006/main" xmlns:r="http://schemas.openxmlformats.org/officeDocument/2006/relationships" type="objOnly" preserve="1">
+<p:sldLayout xmlns:a="http://schemas.openxmlformats.org/drawingml/2006/main" xmlns:r="http://schemas.openxmlformats.org/officeDocument/2006/relationships" xmlns:p="http://schemas.openxmlformats.org/presentationml/2006/main" type="objOnly" preserve="1">
   <p:cSld name="Centered Text">
     <p:spTree>
       <p:nvGrpSpPr>
@@ -1931,7 +2137,8 @@
           </a:prstGeom>
         </p:spPr>
         <p:txBody>
-          <a:bodyPr lIns="0" rIns="0" tIns="0" bIns="0" anchor="ctr"/>
+          <a:bodyPr lIns="0" tIns="0" rIns="0" bIns="0" anchor="ctr"/>
+          <a:lstStyle/>
           <a:p>
             <a:pPr algn="ctr"/>
             <a:endParaRPr/>
@@ -1940,11 +2147,14 @@
       </p:sp>
     </p:spTree>
   </p:cSld>
+  <p:clrMapOvr>
+    <a:masterClrMapping/>
+  </p:clrMapOvr>
 </p:sldLayout>
 </file>
 
 <file path=ppt/slideLayouts/slideLayout7.xml><?xml version="1.0" encoding="utf-8"?>
-<p:sldLayout xmlns:a="http://schemas.openxmlformats.org/drawingml/2006/main" xmlns:p="http://schemas.openxmlformats.org/presentationml/2006/main" xmlns:r="http://schemas.openxmlformats.org/officeDocument/2006/relationships" type="twoObjAndObj" preserve="1">
+<p:sldLayout xmlns:a="http://schemas.openxmlformats.org/drawingml/2006/main" xmlns:r="http://schemas.openxmlformats.org/officeDocument/2006/relationships" xmlns:p="http://schemas.openxmlformats.org/presentationml/2006/main" type="twoObjAndObj" preserve="1">
   <p:cSld name="Title, 2 Content and Content">
     <p:spTree>
       <p:nvGrpSpPr>
@@ -1980,7 +2190,8 @@
           </a:prstGeom>
         </p:spPr>
         <p:txBody>
-          <a:bodyPr lIns="0" rIns="0" tIns="0" bIns="0" anchor="ctr"/>
+          <a:bodyPr lIns="0" tIns="0" rIns="0" bIns="0" anchor="ctr"/>
+          <a:lstStyle/>
           <a:p>
             <a:pPr algn="ctr"/>
             <a:endParaRPr/>
@@ -2007,7 +2218,8 @@
           </a:prstGeom>
         </p:spPr>
         <p:txBody>
-          <a:bodyPr lIns="0" rIns="0" tIns="0" bIns="0"/>
+          <a:bodyPr lIns="0" tIns="0" rIns="0" bIns="0"/>
+          <a:lstStyle/>
           <a:p>
             <a:endParaRPr/>
           </a:p>
@@ -2033,7 +2245,8 @@
           </a:prstGeom>
         </p:spPr>
         <p:txBody>
-          <a:bodyPr lIns="0" rIns="0" tIns="0" bIns="0"/>
+          <a:bodyPr lIns="0" tIns="0" rIns="0" bIns="0"/>
+          <a:lstStyle/>
           <a:p>
             <a:endParaRPr/>
           </a:p>
@@ -2059,7 +2272,8 @@
           </a:prstGeom>
         </p:spPr>
         <p:txBody>
-          <a:bodyPr lIns="0" rIns="0" tIns="0" bIns="0"/>
+          <a:bodyPr lIns="0" tIns="0" rIns="0" bIns="0"/>
+          <a:lstStyle/>
           <a:p>
             <a:endParaRPr/>
           </a:p>
@@ -2067,11 +2281,14 @@
       </p:sp>
     </p:spTree>
   </p:cSld>
+  <p:clrMapOvr>
+    <a:masterClrMapping/>
+  </p:clrMapOvr>
 </p:sldLayout>
 </file>
 
 <file path=ppt/slideLayouts/slideLayout8.xml><?xml version="1.0" encoding="utf-8"?>
-<p:sldLayout xmlns:a="http://schemas.openxmlformats.org/drawingml/2006/main" xmlns:p="http://schemas.openxmlformats.org/presentationml/2006/main" xmlns:r="http://schemas.openxmlformats.org/officeDocument/2006/relationships" type="objAndTwoObj" preserve="1">
+<p:sldLayout xmlns:a="http://schemas.openxmlformats.org/drawingml/2006/main" xmlns:r="http://schemas.openxmlformats.org/officeDocument/2006/relationships" xmlns:p="http://schemas.openxmlformats.org/presentationml/2006/main" type="objAndTwoObj" preserve="1">
   <p:cSld name="Title Content and 2 Content">
     <p:spTree>
       <p:nvGrpSpPr>
@@ -2107,7 +2324,8 @@
           </a:prstGeom>
         </p:spPr>
         <p:txBody>
-          <a:bodyPr lIns="0" rIns="0" tIns="0" bIns="0" anchor="ctr"/>
+          <a:bodyPr lIns="0" tIns="0" rIns="0" bIns="0" anchor="ctr"/>
+          <a:lstStyle/>
           <a:p>
             <a:pPr algn="ctr"/>
             <a:endParaRPr/>
@@ -2134,7 +2352,8 @@
           </a:prstGeom>
         </p:spPr>
         <p:txBody>
-          <a:bodyPr lIns="0" rIns="0" tIns="0" bIns="0"/>
+          <a:bodyPr lIns="0" tIns="0" rIns="0" bIns="0"/>
+          <a:lstStyle/>
           <a:p>
             <a:endParaRPr/>
           </a:p>
@@ -2160,7 +2379,8 @@
           </a:prstGeom>
         </p:spPr>
         <p:txBody>
-          <a:bodyPr lIns="0" rIns="0" tIns="0" bIns="0"/>
+          <a:bodyPr lIns="0" tIns="0" rIns="0" bIns="0"/>
+          <a:lstStyle/>
           <a:p>
             <a:endParaRPr/>
           </a:p>
@@ -2186,7 +2406,8 @@
           </a:prstGeom>
         </p:spPr>
         <p:txBody>
-          <a:bodyPr lIns="0" rIns="0" tIns="0" bIns="0"/>
+          <a:bodyPr lIns="0" tIns="0" rIns="0" bIns="0"/>
+          <a:lstStyle/>
           <a:p>
             <a:endParaRPr/>
           </a:p>
@@ -2194,11 +2415,14 @@
       </p:sp>
     </p:spTree>
   </p:cSld>
+  <p:clrMapOvr>
+    <a:masterClrMapping/>
+  </p:clrMapOvr>
 </p:sldLayout>
 </file>
 
 <file path=ppt/slideLayouts/slideLayout9.xml><?xml version="1.0" encoding="utf-8"?>
-<p:sldLayout xmlns:a="http://schemas.openxmlformats.org/drawingml/2006/main" xmlns:p="http://schemas.openxmlformats.org/presentationml/2006/main" xmlns:r="http://schemas.openxmlformats.org/officeDocument/2006/relationships" type="twoObjOverTx" preserve="1">
+<p:sldLayout xmlns:a="http://schemas.openxmlformats.org/drawingml/2006/main" xmlns:r="http://schemas.openxmlformats.org/officeDocument/2006/relationships" xmlns:p="http://schemas.openxmlformats.org/presentationml/2006/main" type="twoObjOverTx" preserve="1">
   <p:cSld name="Title, 2 Content over Content">
     <p:spTree>
       <p:nvGrpSpPr>
@@ -2234,7 +2458,8 @@
           </a:prstGeom>
         </p:spPr>
         <p:txBody>
-          <a:bodyPr lIns="0" rIns="0" tIns="0" bIns="0" anchor="ctr"/>
+          <a:bodyPr lIns="0" tIns="0" rIns="0" bIns="0" anchor="ctr"/>
+          <a:lstStyle/>
           <a:p>
             <a:pPr algn="ctr"/>
             <a:endParaRPr/>
@@ -2261,7 +2486,8 @@
           </a:prstGeom>
         </p:spPr>
         <p:txBody>
-          <a:bodyPr lIns="0" rIns="0" tIns="0" bIns="0"/>
+          <a:bodyPr lIns="0" tIns="0" rIns="0" bIns="0"/>
+          <a:lstStyle/>
           <a:p>
             <a:endParaRPr/>
           </a:p>
@@ -2287,7 +2513,8 @@
           </a:prstGeom>
         </p:spPr>
         <p:txBody>
-          <a:bodyPr lIns="0" rIns="0" tIns="0" bIns="0"/>
+          <a:bodyPr lIns="0" tIns="0" rIns="0" bIns="0"/>
+          <a:lstStyle/>
           <a:p>
             <a:endParaRPr/>
           </a:p>
@@ -2313,7 +2540,8 @@
           </a:prstGeom>
         </p:spPr>
         <p:txBody>
-          <a:bodyPr lIns="0" rIns="0" tIns="0" bIns="0"/>
+          <a:bodyPr lIns="0" tIns="0" rIns="0" bIns="0"/>
+          <a:lstStyle/>
           <a:p>
             <a:endParaRPr/>
           </a:p>
@@ -2321,17 +2549,21 @@
       </p:sp>
     </p:spTree>
   </p:cSld>
+  <p:clrMapOvr>
+    <a:masterClrMapping/>
+  </p:clrMapOvr>
 </p:sldLayout>
 </file>
 
 <file path=ppt/slideMasters/slideMaster1.xml><?xml version="1.0" encoding="utf-8"?>
-<p:sldMaster xmlns:a="http://schemas.openxmlformats.org/drawingml/2006/main" xmlns:p="http://schemas.openxmlformats.org/presentationml/2006/main" xmlns:r="http://schemas.openxmlformats.org/officeDocument/2006/relationships">
+<p:sldMaster xmlns:a="http://schemas.openxmlformats.org/drawingml/2006/main" xmlns:r="http://schemas.openxmlformats.org/officeDocument/2006/relationships" xmlns:p="http://schemas.openxmlformats.org/presentationml/2006/main">
   <p:cSld>
     <p:bg>
       <p:bgPr>
         <a:solidFill>
-          <a:srgbClr val="ffffff"/>
+          <a:srgbClr val="FFFFFF"/>
         </a:solidFill>
+        <a:effectLst/>
       </p:bgPr>
     </p:bg>
     <p:spTree>
@@ -2350,7 +2582,7 @@
       </p:grpSpPr>
       <p:sp>
         <p:nvSpPr>
-          <p:cNvPr id="0" name="PlaceHolder 1"/>
+          <p:cNvPr id="2" name="PlaceHolder 1"/>
           <p:cNvSpPr>
             <a:spLocks noGrp="1"/>
           </p:cNvSpPr>
@@ -2368,7 +2600,8 @@
           </a:prstGeom>
         </p:spPr>
         <p:txBody>
-          <a:bodyPr lIns="0" rIns="0" tIns="0" bIns="0" anchor="ctr"/>
+          <a:bodyPr lIns="0" tIns="0" rIns="0" bIns="0" anchor="ctr"/>
+          <a:lstStyle/>
           <a:p>
             <a:pPr algn="ctr"/>
             <a:r>
@@ -2383,7 +2616,7 @@
       </p:sp>
       <p:sp>
         <p:nvSpPr>
-          <p:cNvPr id="1" name="PlaceHolder 2"/>
+          <p:cNvPr id="3" name="PlaceHolder 2"/>
           <p:cNvSpPr>
             <a:spLocks noGrp="1"/>
           </p:cNvSpPr>
@@ -2401,11 +2634,12 @@
           </a:prstGeom>
         </p:spPr>
         <p:txBody>
-          <a:bodyPr lIns="0" rIns="0" tIns="0" bIns="0"/>
+          <a:bodyPr lIns="0" tIns="0" rIns="0" bIns="0"/>
+          <a:lstStyle/>
           <a:p>
             <a:pPr marL="432000" indent="-324000">
               <a:buClr>
-                <a:srgbClr val="ffffff"/>
+                <a:srgbClr val="FFFFFF"/>
               </a:buClr>
               <a:buSzPct val="45000"/>
               <a:buFont typeface="StarSymbol"/>
@@ -2420,9 +2654,9 @@
             <a:endParaRPr/>
           </a:p>
           <a:p>
-            <a:pPr lvl="1" marL="864000" indent="-324000">
+            <a:pPr marL="864000" lvl="1" indent="-324000">
               <a:buClr>
-                <a:srgbClr val="ffffff"/>
+                <a:srgbClr val="FFFFFF"/>
               </a:buClr>
               <a:buSzPct val="75000"/>
               <a:buFont typeface="StarSymbol"/>
@@ -2437,9 +2671,9 @@
             <a:endParaRPr/>
           </a:p>
           <a:p>
-            <a:pPr lvl="2" marL="1296000" indent="-288000">
+            <a:pPr marL="1296000" lvl="2" indent="-288000">
               <a:buClr>
-                <a:srgbClr val="ffffff"/>
+                <a:srgbClr val="FFFFFF"/>
               </a:buClr>
               <a:buSzPct val="45000"/>
               <a:buFont typeface="StarSymbol"/>
@@ -2454,9 +2688,9 @@
             <a:endParaRPr/>
           </a:p>
           <a:p>
-            <a:pPr lvl="3" marL="1728000" indent="-216000">
+            <a:pPr marL="1728000" lvl="3" indent="-216000">
               <a:buClr>
-                <a:srgbClr val="ffffff"/>
+                <a:srgbClr val="FFFFFF"/>
               </a:buClr>
               <a:buSzPct val="75000"/>
               <a:buFont typeface="StarSymbol"/>
@@ -2471,9 +2705,9 @@
             <a:endParaRPr/>
           </a:p>
           <a:p>
-            <a:pPr lvl="4" marL="2160000" indent="-216000">
+            <a:pPr marL="2160000" lvl="4" indent="-216000">
               <a:buClr>
-                <a:srgbClr val="ffffff"/>
+                <a:srgbClr val="FFFFFF"/>
               </a:buClr>
               <a:buSzPct val="45000"/>
               <a:buFont typeface="StarSymbol"/>
@@ -2488,9 +2722,9 @@
             <a:endParaRPr/>
           </a:p>
           <a:p>
-            <a:pPr lvl="5" marL="2592000" indent="-216000">
+            <a:pPr marL="2592000" lvl="5" indent="-216000">
               <a:buClr>
-                <a:srgbClr val="ffffff"/>
+                <a:srgbClr val="FFFFFF"/>
               </a:buClr>
               <a:buSzPct val="45000"/>
               <a:buFont typeface="StarSymbol"/>
@@ -2505,9 +2739,9 @@
             <a:endParaRPr/>
           </a:p>
           <a:p>
-            <a:pPr lvl="6" marL="3024000" indent="-216000">
+            <a:pPr marL="3024000" lvl="6" indent="-216000">
               <a:buClr>
-                <a:srgbClr val="ffffff"/>
+                <a:srgbClr val="FFFFFF"/>
               </a:buClr>
               <a:buSzPct val="45000"/>
               <a:buFont typeface="StarSymbol"/>
@@ -2525,32 +2759,38 @@
       </p:sp>
     </p:spTree>
   </p:cSld>
-  <p:clrMap bg1="lt1" bg2="lt2" tx1="dk1" tx2="dk2" accent1="accent1" accent2="accent2" accent3="accent3" accent4="accent4" accent5="accent5" accent6="accent6" hlink="hlink" folHlink="folHlink"/>
+  <p:clrMap bg1="lt1" tx1="dk1" bg2="lt2" tx2="dk2" accent1="accent1" accent2="accent2" accent3="accent3" accent4="accent4" accent5="accent5" accent6="accent6" hlink="hlink" folHlink="folHlink"/>
   <p:sldLayoutIdLst>
-    <p:sldLayoutId id="2147483649" r:id="rId2"/>
-    <p:sldLayoutId id="2147483650" r:id="rId3"/>
-    <p:sldLayoutId id="2147483651" r:id="rId4"/>
-    <p:sldLayoutId id="2147483652" r:id="rId5"/>
-    <p:sldLayoutId id="2147483653" r:id="rId6"/>
-    <p:sldLayoutId id="2147483654" r:id="rId7"/>
-    <p:sldLayoutId id="2147483655" r:id="rId8"/>
-    <p:sldLayoutId id="2147483656" r:id="rId9"/>
-    <p:sldLayoutId id="2147483657" r:id="rId10"/>
-    <p:sldLayoutId id="2147483658" r:id="rId11"/>
-    <p:sldLayoutId id="2147483659" r:id="rId12"/>
-    <p:sldLayoutId id="2147483660" r:id="rId13"/>
+    <p:sldLayoutId id="2147483649" r:id="rId1"/>
+    <p:sldLayoutId id="2147483650" r:id="rId2"/>
+    <p:sldLayoutId id="2147483651" r:id="rId3"/>
+    <p:sldLayoutId id="2147483652" r:id="rId4"/>
+    <p:sldLayoutId id="2147483653" r:id="rId5"/>
+    <p:sldLayoutId id="2147483654" r:id="rId6"/>
+    <p:sldLayoutId id="2147483655" r:id="rId7"/>
+    <p:sldLayoutId id="2147483656" r:id="rId8"/>
+    <p:sldLayoutId id="2147483657" r:id="rId9"/>
+    <p:sldLayoutId id="2147483658" r:id="rId10"/>
+    <p:sldLayoutId id="2147483659" r:id="rId11"/>
+    <p:sldLayoutId id="2147483660" r:id="rId12"/>
   </p:sldLayoutIdLst>
+  <p:txStyles>
+    <p:titleStyle/>
+    <p:bodyStyle/>
+    <p:otherStyle/>
+  </p:txStyles>
 </p:sldMaster>
 </file>
 
 <file path=ppt/slideMasters/slideMaster2.xml><?xml version="1.0" encoding="utf-8"?>
-<p:sldMaster xmlns:a="http://schemas.openxmlformats.org/drawingml/2006/main" xmlns:p="http://schemas.openxmlformats.org/presentationml/2006/main" xmlns:r="http://schemas.openxmlformats.org/officeDocument/2006/relationships">
+<p:sldMaster xmlns:a="http://schemas.openxmlformats.org/drawingml/2006/main" xmlns:r="http://schemas.openxmlformats.org/officeDocument/2006/relationships" xmlns:p="http://schemas.openxmlformats.org/presentationml/2006/main">
   <p:cSld>
     <p:bg>
       <p:bgPr>
         <a:solidFill>
-          <a:srgbClr val="ffffff"/>
+          <a:srgbClr val="FFFFFF"/>
         </a:solidFill>
+        <a:effectLst/>
       </p:bgPr>
     </p:bg>
     <p:spTree>
@@ -2587,7 +2827,8 @@
           </a:prstGeom>
         </p:spPr>
         <p:txBody>
-          <a:bodyPr lIns="0" rIns="0" tIns="0" bIns="0" anchor="ctr"/>
+          <a:bodyPr lIns="0" tIns="0" rIns="0" bIns="0" anchor="ctr"/>
+          <a:lstStyle/>
           <a:p>
             <a:pPr algn="ctr"/>
             <a:r>
@@ -2620,11 +2861,12 @@
           </a:prstGeom>
         </p:spPr>
         <p:txBody>
-          <a:bodyPr lIns="0" rIns="0" tIns="0" bIns="0"/>
+          <a:bodyPr lIns="0" tIns="0" rIns="0" bIns="0"/>
+          <a:lstStyle/>
           <a:p>
             <a:pPr marL="432000" indent="-324000">
               <a:buClr>
-                <a:srgbClr val="ffffff"/>
+                <a:srgbClr val="FFFFFF"/>
               </a:buClr>
               <a:buSzPct val="45000"/>
               <a:buFont typeface="StarSymbol"/>
@@ -2639,9 +2881,9 @@
             <a:endParaRPr/>
           </a:p>
           <a:p>
-            <a:pPr lvl="1" marL="864000" indent="-324000">
+            <a:pPr marL="864000" lvl="1" indent="-324000">
               <a:buClr>
-                <a:srgbClr val="ffffff"/>
+                <a:srgbClr val="FFFFFF"/>
               </a:buClr>
               <a:buSzPct val="75000"/>
               <a:buFont typeface="StarSymbol"/>
@@ -2656,9 +2898,9 @@
             <a:endParaRPr/>
           </a:p>
           <a:p>
-            <a:pPr lvl="2" marL="1296000" indent="-288000">
+            <a:pPr marL="1296000" lvl="2" indent="-288000">
               <a:buClr>
-                <a:srgbClr val="ffffff"/>
+                <a:srgbClr val="FFFFFF"/>
               </a:buClr>
               <a:buSzPct val="45000"/>
               <a:buFont typeface="StarSymbol"/>
@@ -2673,9 +2915,9 @@
             <a:endParaRPr/>
           </a:p>
           <a:p>
-            <a:pPr lvl="3" marL="1728000" indent="-216000">
+            <a:pPr marL="1728000" lvl="3" indent="-216000">
               <a:buClr>
-                <a:srgbClr val="ffffff"/>
+                <a:srgbClr val="FFFFFF"/>
               </a:buClr>
               <a:buSzPct val="75000"/>
               <a:buFont typeface="StarSymbol"/>
@@ -2690,9 +2932,9 @@
             <a:endParaRPr/>
           </a:p>
           <a:p>
-            <a:pPr lvl="4" marL="2160000" indent="-216000">
+            <a:pPr marL="2160000" lvl="4" indent="-216000">
               <a:buClr>
-                <a:srgbClr val="ffffff"/>
+                <a:srgbClr val="FFFFFF"/>
               </a:buClr>
               <a:buSzPct val="45000"/>
               <a:buFont typeface="StarSymbol"/>
@@ -2707,9 +2949,9 @@
             <a:endParaRPr/>
           </a:p>
           <a:p>
-            <a:pPr lvl="5" marL="2592000" indent="-216000">
+            <a:pPr marL="2592000" lvl="5" indent="-216000">
               <a:buClr>
-                <a:srgbClr val="ffffff"/>
+                <a:srgbClr val="FFFFFF"/>
               </a:buClr>
               <a:buSzPct val="45000"/>
               <a:buFont typeface="StarSymbol"/>
@@ -2724,9 +2966,9 @@
             <a:endParaRPr/>
           </a:p>
           <a:p>
-            <a:pPr lvl="6" marL="3024000" indent="-216000">
+            <a:pPr marL="3024000" lvl="6" indent="-216000">
               <a:buClr>
-                <a:srgbClr val="ffffff"/>
+                <a:srgbClr val="FFFFFF"/>
               </a:buClr>
               <a:buSzPct val="45000"/>
               <a:buFont typeface="StarSymbol"/>
@@ -2744,26 +2986,31 @@
       </p:sp>
     </p:spTree>
   </p:cSld>
-  <p:clrMap bg1="lt1" bg2="lt2" tx1="dk1" tx2="dk2" accent1="accent1" accent2="accent2" accent3="accent3" accent4="accent4" accent5="accent5" accent6="accent6" hlink="hlink" folHlink="folHlink"/>
+  <p:clrMap bg1="lt1" tx1="dk1" bg2="lt2" tx2="dk2" accent1="accent1" accent2="accent2" accent3="accent3" accent4="accent4" accent5="accent5" accent6="accent6" hlink="hlink" folHlink="folHlink"/>
   <p:sldLayoutIdLst>
-    <p:sldLayoutId id="2147483662" r:id="rId2"/>
-    <p:sldLayoutId id="2147483663" r:id="rId3"/>
-    <p:sldLayoutId id="2147483664" r:id="rId4"/>
-    <p:sldLayoutId id="2147483665" r:id="rId5"/>
-    <p:sldLayoutId id="2147483666" r:id="rId6"/>
-    <p:sldLayoutId id="2147483667" r:id="rId7"/>
-    <p:sldLayoutId id="2147483668" r:id="rId8"/>
-    <p:sldLayoutId id="2147483669" r:id="rId9"/>
-    <p:sldLayoutId id="2147483670" r:id="rId10"/>
-    <p:sldLayoutId id="2147483671" r:id="rId11"/>
-    <p:sldLayoutId id="2147483672" r:id="rId12"/>
-    <p:sldLayoutId id="2147483673" r:id="rId13"/>
+    <p:sldLayoutId id="2147483662" r:id="rId1"/>
+    <p:sldLayoutId id="2147483663" r:id="rId2"/>
+    <p:sldLayoutId id="2147483664" r:id="rId3"/>
+    <p:sldLayoutId id="2147483665" r:id="rId4"/>
+    <p:sldLayoutId id="2147483666" r:id="rId5"/>
+    <p:sldLayoutId id="2147483667" r:id="rId6"/>
+    <p:sldLayoutId id="2147483668" r:id="rId7"/>
+    <p:sldLayoutId id="2147483669" r:id="rId8"/>
+    <p:sldLayoutId id="2147483670" r:id="rId9"/>
+    <p:sldLayoutId id="2147483671" r:id="rId10"/>
+    <p:sldLayoutId id="2147483672" r:id="rId11"/>
+    <p:sldLayoutId id="2147483673" r:id="rId12"/>
   </p:sldLayoutIdLst>
+  <p:txStyles>
+    <p:titleStyle/>
+    <p:bodyStyle/>
+    <p:otherStyle/>
+  </p:txStyles>
 </p:sldMaster>
 </file>
 
 <file path=ppt/slides/slide1.xml><?xml version="1.0" encoding="utf-8"?>
-<p:sld xmlns:a="http://schemas.openxmlformats.org/drawingml/2006/main" xmlns:p="http://schemas.openxmlformats.org/presentationml/2006/main" xmlns:r="http://schemas.openxmlformats.org/officeDocument/2006/relationships">
+<p:sld xmlns:a="http://schemas.openxmlformats.org/drawingml/2006/main" xmlns:r="http://schemas.openxmlformats.org/officeDocument/2006/relationships" xmlns:p="http://schemas.openxmlformats.org/presentationml/2006/main">
   <p:cSld>
     <p:spTree>
       <p:nvGrpSpPr>
@@ -2799,20 +3046,27 @@
           </a:ln>
         </p:spPr>
         <p:style>
-          <a:lnRef idx="0"/>
-          <a:fillRef idx="0"/>
-          <a:effectRef idx="0"/>
+          <a:lnRef idx="0">
+            <a:scrgbClr r="0" g="0" b="0"/>
+          </a:lnRef>
+          <a:fillRef idx="0">
+            <a:scrgbClr r="0" g="0" b="0"/>
+          </a:fillRef>
+          <a:effectRef idx="0">
+            <a:scrgbClr r="0" g="0" b="0"/>
+          </a:effectRef>
           <a:fontRef idx="minor"/>
         </p:style>
         <p:txBody>
-          <a:bodyPr lIns="90000" rIns="90000" tIns="45000" bIns="45000"/>
+          <a:bodyPr lIns="90000" tIns="45000" rIns="90000" bIns="45000"/>
+          <a:lstStyle/>
           <a:p>
             <a:pPr algn="ctr">
               <a:lnSpc>
                 <a:spcPct val="100000"/>
               </a:lnSpc>
             </a:pPr>
-            <a:endParaRPr/>
+            <a:endParaRPr dirty="0"/>
           </a:p>
           <a:p>
             <a:pPr algn="ctr">
@@ -2821,13 +3075,13 @@
               </a:lnSpc>
             </a:pPr>
             <a:r>
-              <a:rPr lang="pt-BR" sz="2000" spc="-1" strike="noStrike">
+              <a:rPr lang="pt-BR" sz="2000" strike="noStrike" spc="-1" dirty="0">
                 <a:solidFill>
                   <a:srgbClr val="000000"/>
                 </a:solidFill>
                 <a:uFill>
                   <a:solidFill>
-                    <a:srgbClr val="ffffff"/>
+                    <a:srgbClr val="FFFFFF"/>
                   </a:solidFill>
                 </a:uFill>
                 <a:latin typeface="Calibri"/>
@@ -2835,7 +3089,7 @@
               </a:rPr>
               <a:t>Desenvolvimento do seu jogo</a:t>
             </a:r>
-            <a:endParaRPr/>
+            <a:endParaRPr dirty="0"/>
           </a:p>
           <a:p>
             <a:pPr algn="ctr">
@@ -2843,7 +3097,7 @@
                 <a:spcPct val="100000"/>
               </a:lnSpc>
             </a:pPr>
-            <a:endParaRPr/>
+            <a:endParaRPr dirty="0"/>
           </a:p>
           <a:p>
             <a:pPr>
@@ -2852,13 +3106,13 @@
               </a:lnSpc>
             </a:pPr>
             <a:r>
-              <a:rPr lang="pt-BR" sz="2000" spc="-1" strike="noStrike">
+              <a:rPr lang="pt-BR" sz="2000" strike="noStrike" spc="-1" dirty="0">
                 <a:solidFill>
                   <a:srgbClr val="000000"/>
                 </a:solidFill>
                 <a:uFill>
                   <a:solidFill>
-                    <a:srgbClr val="ffffff"/>
+                    <a:srgbClr val="FFFFFF"/>
                   </a:solidFill>
                 </a:uFill>
                 <a:latin typeface="Calibri"/>
@@ -2866,7 +3120,7 @@
               </a:rPr>
               <a:t>	</a:t>
             </a:r>
-            <a:endParaRPr/>
+            <a:endParaRPr dirty="0"/>
           </a:p>
           <a:p>
             <a:pPr>
@@ -2875,47 +3129,32 @@
               </a:lnSpc>
             </a:pPr>
             <a:r>
-              <a:rPr lang="pt-BR" sz="2000" spc="-1" strike="noStrike">
+              <a:rPr lang="pt-BR" sz="2000" strike="noStrike" spc="-1" dirty="0">
                 <a:solidFill>
                   <a:srgbClr val="000000"/>
                 </a:solidFill>
                 <a:uFill>
                   <a:solidFill>
-                    <a:srgbClr val="ffffff"/>
+                    <a:srgbClr val="FFFFFF"/>
                   </a:solidFill>
                 </a:uFill>
                 <a:latin typeface="Calibri"/>
                 <a:ea typeface="DejaVu Sans"/>
               </a:rPr>
-              <a:t>	</a:t>
-            </a:r>
-            <a:r>
-              <a:rPr lang="pt-BR" sz="2000" spc="-1" strike="noStrike">
-                <a:solidFill>
-                  <a:srgbClr val="000000"/>
-                </a:solidFill>
-                <a:uFill>
-                  <a:solidFill>
-                    <a:srgbClr val="ffffff"/>
-                  </a:solidFill>
-                </a:uFill>
-                <a:latin typeface="Calibri"/>
-                <a:ea typeface="DejaVu Sans"/>
-              </a:rPr>
-              <a:t>A construção do game começa pelo seu planejamento, organizando as ideias, pesquisa e estudando as possibilidades de jogar, escrevendo o roteiro, criando o personagem e o mundo do jogo. Todo esse processo de planejamento e implementação passa pela criação, organização de documentação técnica, até que a equipe começa a fazer propriamente o jogo.</a:t>
-            </a:r>
-            <a:endParaRPr/>
+              <a:t>	A construção do game começa pelo seu planejamento, organizando as ideias, pesquisa e estudando as possibilidades de jogar, escrevendo o roteiro, criando o personagem e o mundo do jogo. Todo esse processo de planejamento e implementação passa pela criação, organização de documentação técnica, até que a equipe começa a fazer propriamente o jogo.</a:t>
+            </a:r>
+            <a:endParaRPr dirty="0"/>
           </a:p>
         </p:txBody>
       </p:sp>
       <p:pic>
         <p:nvPicPr>
-          <p:cNvPr id="73" name="Picture 2" descr=""/>
+          <p:cNvPr id="73" name="Picture 2"/>
           <p:cNvPicPr/>
           <p:nvPr/>
         </p:nvPicPr>
         <p:blipFill>
-          <a:blip r:embed="rId1"/>
+          <a:blip r:embed="rId2"/>
           <a:stretch/>
         </p:blipFill>
         <p:spPr>
@@ -2933,6 +3172,9 @@
       </p:pic>
     </p:spTree>
   </p:cSld>
+  <p:clrMapOvr>
+    <a:masterClrMapping/>
+  </p:clrMapOvr>
   <p:timing>
     <p:tnLst>
       <p:par>
@@ -2941,14 +3183,14 @@
             <p:seq>
               <p:cTn id="2" nodeType="mainSeq"/>
               <p:prevCondLst>
-                <p:cond delay="0" evt="onPrev">
+                <p:cond evt="onPrev" delay="0">
                   <p:tgtEl>
                     <p:sldTgt/>
                   </p:tgtEl>
                 </p:cond>
               </p:prevCondLst>
               <p:nextCondLst>
-                <p:cond delay="0" evt="onNext">
+                <p:cond evt="onNext" delay="0">
                   <p:tgtEl>
                     <p:sldTgt/>
                   </p:tgtEl>
@@ -2964,7 +3206,7 @@
 </file>
 
 <file path=ppt/slides/slide2.xml><?xml version="1.0" encoding="utf-8"?>
-<p:sld xmlns:a="http://schemas.openxmlformats.org/drawingml/2006/main" xmlns:p="http://schemas.openxmlformats.org/presentationml/2006/main" xmlns:r="http://schemas.openxmlformats.org/officeDocument/2006/relationships">
+<p:sld xmlns:a="http://schemas.openxmlformats.org/drawingml/2006/main" xmlns:r="http://schemas.openxmlformats.org/officeDocument/2006/relationships" xmlns:p="http://schemas.openxmlformats.org/presentationml/2006/main">
   <p:cSld>
     <p:spTree>
       <p:nvGrpSpPr>
@@ -3000,13 +3242,20 @@
           </a:ln>
         </p:spPr>
         <p:style>
-          <a:lnRef idx="0"/>
-          <a:fillRef idx="0"/>
-          <a:effectRef idx="0"/>
+          <a:lnRef idx="0">
+            <a:scrgbClr r="0" g="0" b="0"/>
+          </a:lnRef>
+          <a:fillRef idx="0">
+            <a:scrgbClr r="0" g="0" b="0"/>
+          </a:fillRef>
+          <a:effectRef idx="0">
+            <a:scrgbClr r="0" g="0" b="0"/>
+          </a:effectRef>
           <a:fontRef idx="minor"/>
         </p:style>
         <p:txBody>
-          <a:bodyPr lIns="90000" rIns="90000" tIns="45000" bIns="45000"/>
+          <a:bodyPr lIns="90000" tIns="45000" rIns="90000" bIns="45000"/>
+          <a:lstStyle/>
           <a:p>
             <a:pPr algn="ctr">
               <a:lnSpc>
@@ -3014,13 +3263,13 @@
               </a:lnSpc>
             </a:pPr>
             <a:r>
-              <a:rPr lang="pt-BR" sz="2200" spc="-1" strike="noStrike">
+              <a:rPr lang="pt-BR" sz="2200" strike="noStrike" spc="-1" dirty="0">
                 <a:solidFill>
                   <a:srgbClr val="000000"/>
                 </a:solidFill>
                 <a:uFill>
                   <a:solidFill>
-                    <a:srgbClr val="ffffff"/>
+                    <a:srgbClr val="FFFFFF"/>
                   </a:solidFill>
                 </a:uFill>
                 <a:latin typeface="Calibri"/>
@@ -3028,7 +3277,7 @@
               </a:rPr>
               <a:t>Configuração de equipe</a:t>
             </a:r>
-            <a:endParaRPr/>
+            <a:endParaRPr dirty="0"/>
           </a:p>
           <a:p>
             <a:pPr algn="ctr">
@@ -3036,7 +3285,7 @@
                 <a:spcPct val="100000"/>
               </a:lnSpc>
             </a:pPr>
-            <a:endParaRPr/>
+            <a:endParaRPr dirty="0"/>
           </a:p>
           <a:p>
             <a:pPr algn="ctr">
@@ -3044,7 +3293,7 @@
                 <a:spcPct val="100000"/>
               </a:lnSpc>
             </a:pPr>
-            <a:endParaRPr/>
+            <a:endParaRPr dirty="0"/>
           </a:p>
           <a:p>
             <a:pPr algn="ctr">
@@ -3052,7 +3301,7 @@
                 <a:spcPct val="100000"/>
               </a:lnSpc>
             </a:pPr>
-            <a:endParaRPr/>
+            <a:endParaRPr dirty="0"/>
           </a:p>
           <a:p>
             <a:pPr marL="216000" indent="-216000" algn="ctr">
@@ -3060,19 +3309,19 @@
                 <a:spcPct val="100000"/>
               </a:lnSpc>
               <a:buClr>
-                <a:srgbClr val="ff0000"/>
+                <a:srgbClr val="FF0000"/>
               </a:buClr>
               <a:buFont typeface="Wingdings" charset="2"/>
               <a:buChar char=""/>
             </a:pPr>
             <a:r>
-              <a:rPr lang="pt-BR" sz="1800" spc="-1" strike="noStrike">
+              <a:rPr lang="pt-BR" sz="1800" strike="noStrike" spc="-1" dirty="0">
                 <a:solidFill>
-                  <a:srgbClr val="ff0000"/>
+                  <a:srgbClr val="FF0000"/>
                 </a:solidFill>
                 <a:uFill>
                   <a:solidFill>
-                    <a:srgbClr val="ffffff"/>
+                    <a:srgbClr val="FFFFFF"/>
                   </a:solidFill>
                 </a:uFill>
                 <a:latin typeface="Calibri"/>
@@ -3080,7 +3329,7 @@
               </a:rPr>
               <a:t>Profissional da Área de Game</a:t>
             </a:r>
-            <a:endParaRPr/>
+            <a:endParaRPr dirty="0"/>
           </a:p>
           <a:p>
             <a:pPr algn="ctr">
@@ -3088,7 +3337,7 @@
                 <a:spcPct val="100000"/>
               </a:lnSpc>
             </a:pPr>
-            <a:endParaRPr/>
+            <a:endParaRPr dirty="0"/>
           </a:p>
           <a:p>
             <a:pPr marL="216000" indent="-216000" algn="ctr">
@@ -3099,13 +3348,13 @@
               <a:buChar char=""/>
             </a:pPr>
             <a:r>
-              <a:rPr lang="pt-BR" sz="1800" spc="-1" strike="noStrike">
+              <a:rPr lang="pt-BR" sz="1800" strike="noStrike" spc="-1" dirty="0">
                 <a:solidFill>
                   <a:srgbClr val="000000"/>
                 </a:solidFill>
                 <a:uFill>
                   <a:solidFill>
-                    <a:srgbClr val="ffffff"/>
+                    <a:srgbClr val="FFFFFF"/>
                   </a:solidFill>
                 </a:uFill>
                 <a:latin typeface="Calibri"/>
@@ -3113,7 +3362,7 @@
               </a:rPr>
               <a:t>Profissional de Administração ou Gestão</a:t>
             </a:r>
-            <a:endParaRPr/>
+            <a:endParaRPr dirty="0"/>
           </a:p>
           <a:p>
             <a:pPr algn="ctr">
@@ -3121,7 +3370,7 @@
                 <a:spcPct val="100000"/>
               </a:lnSpc>
             </a:pPr>
-            <a:endParaRPr/>
+            <a:endParaRPr dirty="0"/>
           </a:p>
           <a:p>
             <a:pPr marL="216000" indent="-216000" algn="ctr">
@@ -3132,13 +3381,13 @@
               <a:buChar char=""/>
             </a:pPr>
             <a:r>
-              <a:rPr lang="pt-BR" sz="1800" spc="-1" strike="noStrike">
+              <a:rPr lang="pt-BR" sz="1800" strike="noStrike" spc="-1" dirty="0">
                 <a:solidFill>
                   <a:srgbClr val="000000"/>
                 </a:solidFill>
                 <a:uFill>
                   <a:solidFill>
-                    <a:srgbClr val="ffffff"/>
+                    <a:srgbClr val="FFFFFF"/>
                   </a:solidFill>
                 </a:uFill>
                 <a:latin typeface="Calibri"/>
@@ -3146,7 +3395,7 @@
               </a:rPr>
               <a:t>Profissional de Game Design</a:t>
             </a:r>
-            <a:endParaRPr/>
+            <a:endParaRPr dirty="0"/>
           </a:p>
           <a:p>
             <a:pPr algn="ctr">
@@ -3154,7 +3403,7 @@
                 <a:spcPct val="100000"/>
               </a:lnSpc>
             </a:pPr>
-            <a:endParaRPr/>
+            <a:endParaRPr dirty="0"/>
           </a:p>
           <a:p>
             <a:pPr marL="216000" indent="-216000" algn="ctr">
@@ -3165,13 +3414,13 @@
               <a:buChar char=""/>
             </a:pPr>
             <a:r>
-              <a:rPr lang="pt-BR" sz="1800" spc="-1" strike="noStrike">
+              <a:rPr lang="pt-BR" sz="1800" strike="noStrike" spc="-1" dirty="0">
                 <a:solidFill>
                   <a:srgbClr val="000000"/>
                 </a:solidFill>
                 <a:uFill>
                   <a:solidFill>
-                    <a:srgbClr val="ffffff"/>
+                    <a:srgbClr val="FFFFFF"/>
                   </a:solidFill>
                 </a:uFill>
                 <a:latin typeface="Calibri"/>
@@ -3179,7 +3428,7 @@
               </a:rPr>
               <a:t>Profissionais de Arte</a:t>
             </a:r>
-            <a:endParaRPr/>
+            <a:endParaRPr dirty="0"/>
           </a:p>
           <a:p>
             <a:pPr algn="ctr">
@@ -3187,7 +3436,7 @@
                 <a:spcPct val="100000"/>
               </a:lnSpc>
             </a:pPr>
-            <a:endParaRPr/>
+            <a:endParaRPr dirty="0"/>
           </a:p>
           <a:p>
             <a:pPr marL="216000" indent="-216000" algn="ctr">
@@ -3198,13 +3447,13 @@
               <a:buChar char=""/>
             </a:pPr>
             <a:r>
-              <a:rPr lang="pt-BR" sz="1800" spc="-1" strike="noStrike">
+              <a:rPr lang="pt-BR" sz="1800" strike="noStrike" spc="-1" dirty="0">
                 <a:solidFill>
                   <a:srgbClr val="000000"/>
                 </a:solidFill>
                 <a:uFill>
                   <a:solidFill>
-                    <a:srgbClr val="ffffff"/>
+                    <a:srgbClr val="FFFFFF"/>
                   </a:solidFill>
                 </a:uFill>
                 <a:latin typeface="Calibri"/>
@@ -3212,7 +3461,7 @@
               </a:rPr>
               <a:t>Profissionais de Áudio</a:t>
             </a:r>
-            <a:endParaRPr/>
+            <a:endParaRPr dirty="0"/>
           </a:p>
           <a:p>
             <a:pPr algn="ctr">
@@ -3220,7 +3469,7 @@
                 <a:spcPct val="100000"/>
               </a:lnSpc>
             </a:pPr>
-            <a:endParaRPr/>
+            <a:endParaRPr dirty="0"/>
           </a:p>
           <a:p>
             <a:pPr marL="216000" indent="-216000" algn="ctr">
@@ -3231,13 +3480,13 @@
               <a:buChar char=""/>
             </a:pPr>
             <a:r>
-              <a:rPr lang="pt-BR" sz="1800" spc="-1" strike="noStrike">
+              <a:rPr lang="pt-BR" sz="1800" strike="noStrike" spc="-1" dirty="0">
                 <a:solidFill>
                   <a:srgbClr val="000000"/>
                 </a:solidFill>
                 <a:uFill>
                   <a:solidFill>
-                    <a:srgbClr val="ffffff"/>
+                    <a:srgbClr val="FFFFFF"/>
                   </a:solidFill>
                 </a:uFill>
                 <a:latin typeface="Calibri"/>
@@ -3245,7 +3494,7 @@
               </a:rPr>
               <a:t>Profissionais de Programação</a:t>
             </a:r>
-            <a:endParaRPr/>
+            <a:endParaRPr dirty="0"/>
           </a:p>
           <a:p>
             <a:pPr algn="ctr">
@@ -3253,32 +3502,7 @@
                 <a:spcPct val="100000"/>
               </a:lnSpc>
             </a:pPr>
-            <a:endParaRPr/>
-          </a:p>
-          <a:p>
-            <a:pPr marL="216000" indent="-216000" algn="ctr">
-              <a:lnSpc>
-                <a:spcPct val="100000"/>
-              </a:lnSpc>
-              <a:buFont typeface="Wingdings" charset="2"/>
-              <a:buChar char=""/>
-            </a:pPr>
-            <a:r>
-              <a:rPr lang="pt-BR" sz="1800" spc="-1" strike="noStrike">
-                <a:solidFill>
-                  <a:srgbClr val="000000"/>
-                </a:solidFill>
-                <a:uFill>
-                  <a:solidFill>
-                    <a:srgbClr val="ffffff"/>
-                  </a:solidFill>
-                </a:uFill>
-                <a:latin typeface="Calibri"/>
-                <a:ea typeface="DejaVu Sans"/>
-              </a:rPr>
-              <a:t>Equipe de Game</a:t>
-            </a:r>
-            <a:endParaRPr/>
+            <a:endParaRPr dirty="0"/>
           </a:p>
           <a:p>
             <a:pPr algn="ctr">
@@ -3286,7 +3510,7 @@
                 <a:spcPct val="100000"/>
               </a:lnSpc>
             </a:pPr>
-            <a:endParaRPr/>
+            <a:endParaRPr dirty="0"/>
           </a:p>
           <a:p>
             <a:pPr algn="ctr">
@@ -3294,7 +3518,7 @@
                 <a:spcPct val="100000"/>
               </a:lnSpc>
             </a:pPr>
-            <a:endParaRPr/>
+            <a:endParaRPr dirty="0"/>
           </a:p>
           <a:p>
             <a:pPr algn="ctr">
@@ -3302,36 +3526,31 @@
                 <a:spcPct val="100000"/>
               </a:lnSpc>
             </a:pPr>
-            <a:endParaRPr/>
-          </a:p>
-          <a:p>
-            <a:pPr algn="ctr">
-              <a:lnSpc>
-                <a:spcPct val="100000"/>
-              </a:lnSpc>
-            </a:pPr>
-            <a:endParaRPr/>
+            <a:endParaRPr dirty="0"/>
           </a:p>
         </p:txBody>
       </p:sp>
     </p:spTree>
   </p:cSld>
+  <p:clrMapOvr>
+    <a:masterClrMapping/>
+  </p:clrMapOvr>
   <p:timing>
     <p:tnLst>
       <p:par>
-        <p:cTn id="3" dur="indefinite" restart="never" nodeType="tmRoot">
+        <p:cTn id="1" dur="indefinite" restart="never" nodeType="tmRoot">
           <p:childTnLst>
             <p:seq>
-              <p:cTn id="4" nodeType="mainSeq"/>
+              <p:cTn id="2" nodeType="mainSeq"/>
               <p:prevCondLst>
-                <p:cond delay="0" evt="onPrev">
+                <p:cond evt="onPrev" delay="0">
                   <p:tgtEl>
                     <p:sldTgt/>
                   </p:tgtEl>
                 </p:cond>
               </p:prevCondLst>
               <p:nextCondLst>
-                <p:cond delay="0" evt="onNext">
+                <p:cond evt="onNext" delay="0">
                   <p:tgtEl>
                     <p:sldTgt/>
                   </p:tgtEl>
@@ -3347,7 +3566,7 @@
 </file>
 
 <file path=ppt/slides/slide3.xml><?xml version="1.0" encoding="utf-8"?>
-<p:sld xmlns:a="http://schemas.openxmlformats.org/drawingml/2006/main" xmlns:p="http://schemas.openxmlformats.org/presentationml/2006/main" xmlns:r="http://schemas.openxmlformats.org/officeDocument/2006/relationships">
+<p:sld xmlns:a="http://schemas.openxmlformats.org/drawingml/2006/main" xmlns:r="http://schemas.openxmlformats.org/officeDocument/2006/relationships" xmlns:p="http://schemas.openxmlformats.org/presentationml/2006/main">
   <p:cSld>
     <p:spTree>
       <p:nvGrpSpPr>
@@ -3383,20 +3602,27 @@
           </a:ln>
         </p:spPr>
         <p:style>
-          <a:lnRef idx="0"/>
-          <a:fillRef idx="0"/>
-          <a:effectRef idx="0"/>
+          <a:lnRef idx="0">
+            <a:scrgbClr r="0" g="0" b="0"/>
+          </a:lnRef>
+          <a:fillRef idx="0">
+            <a:scrgbClr r="0" g="0" b="0"/>
+          </a:fillRef>
+          <a:effectRef idx="0">
+            <a:scrgbClr r="0" g="0" b="0"/>
+          </a:effectRef>
           <a:fontRef idx="minor"/>
         </p:style>
         <p:txBody>
-          <a:bodyPr lIns="90000" rIns="90000" tIns="45000" bIns="45000" anchor="ctr"/>
+          <a:bodyPr lIns="90000" tIns="45000" rIns="90000" bIns="45000" anchor="ctr"/>
+          <a:lstStyle/>
           <a:p>
             <a:pPr algn="ctr">
               <a:lnSpc>
                 <a:spcPct val="100000"/>
               </a:lnSpc>
             </a:pPr>
-            <a:endParaRPr/>
+            <a:endParaRPr dirty="0"/>
           </a:p>
           <a:p>
             <a:pPr algn="ctr">
@@ -3404,7 +3630,7 @@
                 <a:spcPct val="100000"/>
               </a:lnSpc>
             </a:pPr>
-            <a:endParaRPr/>
+            <a:endParaRPr dirty="0"/>
           </a:p>
           <a:p>
             <a:pPr algn="ctr">
@@ -3412,7 +3638,7 @@
                 <a:spcPct val="100000"/>
               </a:lnSpc>
             </a:pPr>
-            <a:endParaRPr/>
+            <a:endParaRPr dirty="0"/>
           </a:p>
           <a:p>
             <a:pPr algn="ctr">
@@ -3420,7 +3646,7 @@
                 <a:spcPct val="100000"/>
               </a:lnSpc>
             </a:pPr>
-            <a:endParaRPr/>
+            <a:endParaRPr dirty="0"/>
           </a:p>
           <a:p>
             <a:pPr algn="ctr">
@@ -3428,7 +3654,7 @@
                 <a:spcPct val="100000"/>
               </a:lnSpc>
             </a:pPr>
-            <a:endParaRPr/>
+            <a:endParaRPr dirty="0"/>
           </a:p>
           <a:p>
             <a:pPr algn="ctr">
@@ -3437,67 +3663,59 @@
               </a:lnSpc>
             </a:pPr>
             <a:r>
-              <a:rPr lang="pt-BR" sz="1800" spc="-1" strike="noStrike" u="sng">
+              <a:rPr lang="pt-BR" sz="1800" u="sng" strike="noStrike" spc="-1" dirty="0">
                 <a:solidFill>
                   <a:srgbClr val="000000"/>
                 </a:solidFill>
                 <a:uFill>
                   <a:solidFill>
-                    <a:srgbClr val="ffffff"/>
+                    <a:srgbClr val="FFFFFF"/>
                   </a:solidFill>
                 </a:uFill>
                 <a:latin typeface="Calibri"/>
                 <a:ea typeface="DejaVu Sans"/>
               </a:rPr>
-              <a:t>Game Design Document (GDD)</a:t>
-            </a:r>
-            <a:endParaRPr/>
-          </a:p>
-          <a:p>
-            <a:pPr algn="ctr">
-              <a:lnSpc>
-                <a:spcPct val="100000"/>
-              </a:lnSpc>
-            </a:pPr>
-            <a:endParaRPr/>
-          </a:p>
-          <a:p>
-            <a:pPr algn="just">
-              <a:lnSpc>
-                <a:spcPct val="100000"/>
-              </a:lnSpc>
-            </a:pPr>
-            <a:r>
-              <a:rPr lang="pt-BR" sz="1600" spc="-1" strike="noStrike">
+              <a:t>Game Design </a:t>
+            </a:r>
+            <a:r>
+              <a:rPr lang="pt-BR" sz="1800" u="sng" strike="noStrike" spc="-1" dirty="0" err="1">
                 <a:solidFill>
                   <a:srgbClr val="000000"/>
                 </a:solidFill>
                 <a:uFill>
                   <a:solidFill>
-                    <a:srgbClr val="ffffff"/>
+                    <a:srgbClr val="FFFFFF"/>
                   </a:solidFill>
                 </a:uFill>
                 <a:latin typeface="Calibri"/>
                 <a:ea typeface="DejaVu Sans"/>
               </a:rPr>
-              <a:t>	</a:t>
-            </a:r>
-            <a:r>
-              <a:rPr lang="pt-BR" sz="1600" spc="-1" strike="noStrike">
+              <a:t>Document</a:t>
+            </a:r>
+            <a:r>
+              <a:rPr lang="pt-BR" sz="1800" u="sng" strike="noStrike" spc="-1" dirty="0">
                 <a:solidFill>
                   <a:srgbClr val="000000"/>
                 </a:solidFill>
                 <a:uFill>
                   <a:solidFill>
-                    <a:srgbClr val="ffffff"/>
+                    <a:srgbClr val="FFFFFF"/>
                   </a:solidFill>
                 </a:uFill>
                 <a:latin typeface="Calibri"/>
                 <a:ea typeface="DejaVu Sans"/>
               </a:rPr>
-              <a:t>O GDD é a documentação padrão de um jogo que vai ser desenvolvido, é nele que você especifica padrões, objetivos, plataforma, mecânica, etc....</a:t>
-            </a:r>
-            <a:endParaRPr/>
+              <a:t> (GDD)</a:t>
+            </a:r>
+            <a:endParaRPr dirty="0"/>
+          </a:p>
+          <a:p>
+            <a:pPr algn="ctr">
+              <a:lnSpc>
+                <a:spcPct val="100000"/>
+              </a:lnSpc>
+            </a:pPr>
+            <a:endParaRPr dirty="0"/>
           </a:p>
           <a:p>
             <a:pPr algn="just">
@@ -3505,30 +3723,30 @@
                 <a:spcPct val="100000"/>
               </a:lnSpc>
             </a:pPr>
-            <a:endParaRPr/>
-          </a:p>
-          <a:p>
-            <a:pPr algn="ctr">
-              <a:lnSpc>
-                <a:spcPct val="100000"/>
-              </a:lnSpc>
-            </a:pPr>
-            <a:r>
-              <a:rPr lang="pt-BR" sz="1800" spc="-1" strike="noStrike" u="sng">
+            <a:r>
+              <a:rPr lang="pt-BR" sz="1600" strike="noStrike" spc="-1" dirty="0">
                 <a:solidFill>
                   <a:srgbClr val="000000"/>
                 </a:solidFill>
                 <a:uFill>
                   <a:solidFill>
-                    <a:srgbClr val="ffffff"/>
+                    <a:srgbClr val="FFFFFF"/>
                   </a:solidFill>
                 </a:uFill>
                 <a:latin typeface="Calibri"/>
                 <a:ea typeface="DejaVu Sans"/>
               </a:rPr>
-              <a:t>Exemplo de um GDD de um jogo 2D</a:t>
-            </a:r>
-            <a:endParaRPr/>
+              <a:t>	O GDD é a documentação padrão de um jogo que vai ser desenvolvido, é nele que você especifica padrões, objetivos, plataforma, mecânica, etc....</a:t>
+            </a:r>
+            <a:endParaRPr dirty="0"/>
+          </a:p>
+          <a:p>
+            <a:pPr algn="just">
+              <a:lnSpc>
+                <a:spcPct val="100000"/>
+              </a:lnSpc>
+            </a:pPr>
+            <a:endParaRPr dirty="0"/>
           </a:p>
           <a:p>
             <a:pPr algn="ctr">
@@ -3536,328 +3754,411 @@
                 <a:spcPct val="100000"/>
               </a:lnSpc>
             </a:pPr>
-            <a:endParaRPr/>
-          </a:p>
-          <a:p>
-            <a:pPr algn="ctr">
-              <a:lnSpc>
-                <a:spcPct val="100000"/>
-              </a:lnSpc>
-            </a:pPr>
-            <a:endParaRPr/>
-          </a:p>
-          <a:p>
-            <a:pPr algn="ctr">
-              <a:lnSpc>
-                <a:spcPct val="100000"/>
-              </a:lnSpc>
-            </a:pPr>
-            <a:r>
-              <a:rPr b="1" lang="pt-BR" sz="1800" spc="-1" strike="noStrike">
+            <a:r>
+              <a:rPr lang="pt-BR" sz="1800" u="sng" strike="noStrike" spc="-1" dirty="0">
                 <a:solidFill>
                   <a:srgbClr val="000000"/>
                 </a:solidFill>
                 <a:uFill>
                   <a:solidFill>
-                    <a:srgbClr val="ffffff"/>
+                    <a:srgbClr val="FFFFFF"/>
                   </a:solidFill>
                 </a:uFill>
                 <a:latin typeface="Calibri"/>
                 <a:ea typeface="DejaVu Sans"/>
               </a:rPr>
-              <a:t>Nome:</a:t>
-            </a:r>
-            <a:r>
-              <a:rPr lang="pt-BR" sz="1800" spc="-1" strike="noStrike">
+              <a:t>Exemplo de um GDD de um jogo 2D</a:t>
+            </a:r>
+            <a:endParaRPr dirty="0"/>
+          </a:p>
+          <a:p>
+            <a:pPr algn="ctr">
+              <a:lnSpc>
+                <a:spcPct val="100000"/>
+              </a:lnSpc>
+            </a:pPr>
+            <a:endParaRPr dirty="0"/>
+          </a:p>
+          <a:p>
+            <a:pPr algn="ctr">
+              <a:lnSpc>
+                <a:spcPct val="100000"/>
+              </a:lnSpc>
+            </a:pPr>
+            <a:endParaRPr dirty="0"/>
+          </a:p>
+          <a:p>
+            <a:pPr algn="ctr">
+              <a:lnSpc>
+                <a:spcPct val="100000"/>
+              </a:lnSpc>
+            </a:pPr>
+            <a:r>
+              <a:rPr lang="pt-BR" sz="1800" b="1" strike="noStrike" spc="-1" dirty="0">
                 <a:solidFill>
                   <a:srgbClr val="000000"/>
                 </a:solidFill>
                 <a:uFill>
                   <a:solidFill>
-                    <a:srgbClr val="ffffff"/>
+                    <a:srgbClr val="FFFFFF"/>
                   </a:solidFill>
                 </a:uFill>
                 <a:latin typeface="Calibri"/>
                 <a:ea typeface="DejaVu Sans"/>
               </a:rPr>
-              <a:t> Fluffy Quest.</a:t>
-            </a:r>
-            <a:endParaRPr/>
-          </a:p>
-          <a:p>
-            <a:pPr algn="ctr">
-              <a:lnSpc>
-                <a:spcPct val="100000"/>
-              </a:lnSpc>
-            </a:pPr>
-            <a:r>
-              <a:rPr b="1" lang="pt-BR" sz="1800" spc="-1" strike="noStrike">
+              <a:t>Nome:</a:t>
+            </a:r>
+            <a:r>
+              <a:rPr lang="pt-BR" sz="1800" strike="noStrike" spc="-1" dirty="0">
                 <a:solidFill>
                   <a:srgbClr val="000000"/>
                 </a:solidFill>
                 <a:uFill>
                   <a:solidFill>
-                    <a:srgbClr val="ffffff"/>
+                    <a:srgbClr val="FFFFFF"/>
                   </a:solidFill>
                 </a:uFill>
                 <a:latin typeface="Calibri"/>
                 <a:ea typeface="DejaVu Sans"/>
               </a:rPr>
-              <a:t>Gênero: </a:t>
-            </a:r>
-            <a:r>
-              <a:rPr lang="pt-BR" sz="1800" spc="-1" strike="noStrike">
+              <a:t> </a:t>
+            </a:r>
+            <a:r>
+              <a:rPr lang="pt-BR" sz="1800" strike="noStrike" spc="-1" dirty="0" err="1">
                 <a:solidFill>
                   <a:srgbClr val="000000"/>
                 </a:solidFill>
                 <a:uFill>
                   <a:solidFill>
-                    <a:srgbClr val="ffffff"/>
+                    <a:srgbClr val="FFFFFF"/>
                   </a:solidFill>
                 </a:uFill>
                 <a:latin typeface="Calibri"/>
                 <a:ea typeface="DejaVu Sans"/>
               </a:rPr>
-              <a:t>Aventura.</a:t>
-            </a:r>
-            <a:endParaRPr/>
-          </a:p>
-          <a:p>
-            <a:pPr algn="ctr">
-              <a:lnSpc>
-                <a:spcPct val="100000"/>
-              </a:lnSpc>
-            </a:pPr>
-            <a:r>
-              <a:rPr b="1" lang="pt-BR" sz="1800" spc="-1" strike="noStrike">
+              <a:t>Fluffy</a:t>
+            </a:r>
+            <a:r>
+              <a:rPr lang="pt-BR" sz="1800" strike="noStrike" spc="-1" dirty="0">
                 <a:solidFill>
                   <a:srgbClr val="000000"/>
                 </a:solidFill>
                 <a:uFill>
                   <a:solidFill>
-                    <a:srgbClr val="ffffff"/>
+                    <a:srgbClr val="FFFFFF"/>
                   </a:solidFill>
                 </a:uFill>
                 <a:latin typeface="Calibri"/>
                 <a:ea typeface="DejaVu Sans"/>
               </a:rPr>
-              <a:t>Plataforma: </a:t>
-            </a:r>
-            <a:r>
-              <a:rPr lang="pt-BR" sz="1800" spc="-1" strike="noStrike">
+              <a:t> Quest.</a:t>
+            </a:r>
+            <a:endParaRPr dirty="0"/>
+          </a:p>
+          <a:p>
+            <a:pPr algn="ctr">
+              <a:lnSpc>
+                <a:spcPct val="100000"/>
+              </a:lnSpc>
+            </a:pPr>
+            <a:r>
+              <a:rPr lang="pt-BR" sz="1800" b="1" strike="noStrike" spc="-1" dirty="0">
                 <a:solidFill>
                   <a:srgbClr val="000000"/>
                 </a:solidFill>
                 <a:uFill>
                   <a:solidFill>
-                    <a:srgbClr val="ffffff"/>
+                    <a:srgbClr val="FFFFFF"/>
                   </a:solidFill>
                 </a:uFill>
                 <a:latin typeface="Calibri"/>
                 <a:ea typeface="DejaVu Sans"/>
               </a:rPr>
-              <a:t>Windows (XP, Vista, 7, 8, 8.1, 10).</a:t>
-            </a:r>
-            <a:endParaRPr/>
-          </a:p>
-          <a:p>
-            <a:pPr algn="ctr">
-              <a:lnSpc>
-                <a:spcPct val="100000"/>
-              </a:lnSpc>
-            </a:pPr>
-            <a:r>
-              <a:rPr b="1" lang="pt-BR" sz="1800" spc="-1" strike="noStrike">
+              <a:t>Gênero: </a:t>
+            </a:r>
+            <a:r>
+              <a:rPr lang="pt-BR" sz="1800" strike="noStrike" spc="-1" dirty="0">
                 <a:solidFill>
                   <a:srgbClr val="000000"/>
                 </a:solidFill>
                 <a:uFill>
                   <a:solidFill>
-                    <a:srgbClr val="ffffff"/>
+                    <a:srgbClr val="FFFFFF"/>
                   </a:solidFill>
                 </a:uFill>
                 <a:latin typeface="Calibri"/>
                 <a:ea typeface="DejaVu Sans"/>
               </a:rPr>
-              <a:t>Público-Alvo: </a:t>
-            </a:r>
-            <a:r>
-              <a:rPr lang="pt-BR" sz="1800" spc="-1" strike="noStrike">
+              <a:t>Aventura.</a:t>
+            </a:r>
+            <a:endParaRPr dirty="0"/>
+          </a:p>
+          <a:p>
+            <a:pPr algn="ctr">
+              <a:lnSpc>
+                <a:spcPct val="100000"/>
+              </a:lnSpc>
+            </a:pPr>
+            <a:r>
+              <a:rPr lang="pt-BR" sz="1800" b="1" strike="noStrike" spc="-1" dirty="0">
                 <a:solidFill>
                   <a:srgbClr val="000000"/>
                 </a:solidFill>
                 <a:uFill>
                   <a:solidFill>
-                    <a:srgbClr val="ffffff"/>
+                    <a:srgbClr val="FFFFFF"/>
                   </a:solidFill>
                 </a:uFill>
                 <a:latin typeface="Calibri"/>
                 <a:ea typeface="DejaVu Sans"/>
               </a:rPr>
-              <a:t>Os alunos do Mini Curso.</a:t>
-            </a:r>
-            <a:endParaRPr/>
-          </a:p>
-          <a:p>
-            <a:pPr algn="ctr">
-              <a:lnSpc>
-                <a:spcPct val="100000"/>
-              </a:lnSpc>
-            </a:pPr>
-            <a:r>
-              <a:rPr b="1" lang="pt-BR" sz="1800" spc="-1" strike="noStrike">
+              <a:t>Plataforma: </a:t>
+            </a:r>
+            <a:r>
+              <a:rPr lang="pt-BR" sz="1800" strike="noStrike" spc="-1" dirty="0">
                 <a:solidFill>
                   <a:srgbClr val="000000"/>
                 </a:solidFill>
                 <a:uFill>
                   <a:solidFill>
-                    <a:srgbClr val="ffffff"/>
+                    <a:srgbClr val="FFFFFF"/>
                   </a:solidFill>
                 </a:uFill>
                 <a:latin typeface="Calibri"/>
                 <a:ea typeface="DejaVu Sans"/>
               </a:rPr>
-              <a:t>História: </a:t>
-            </a:r>
-            <a:r>
-              <a:rPr lang="pt-BR" sz="1800" spc="-1" strike="noStrike">
+              <a:t>Windows (</a:t>
+            </a:r>
+            <a:r>
+              <a:rPr lang="pt-BR" sz="1800" strike="noStrike" spc="-1" dirty="0" smtClean="0">
                 <a:solidFill>
                   <a:srgbClr val="000000"/>
                 </a:solidFill>
                 <a:uFill>
                   <a:solidFill>
-                    <a:srgbClr val="ffffff"/>
+                    <a:srgbClr val="FFFFFF"/>
                   </a:solidFill>
                 </a:uFill>
                 <a:latin typeface="Calibri"/>
                 <a:ea typeface="DejaVu Sans"/>
               </a:rPr>
-              <a:t>Não possui</a:t>
-            </a:r>
-            <a:endParaRPr/>
-          </a:p>
-          <a:p>
-            <a:pPr algn="ctr">
-              <a:lnSpc>
-                <a:spcPct val="100000"/>
-              </a:lnSpc>
-            </a:pPr>
-            <a:r>
-              <a:rPr b="1" lang="pt-BR" sz="1800" spc="-1" strike="noStrike">
+              <a:t>XP ao </a:t>
+            </a:r>
+            <a:r>
+              <a:rPr lang="pt-BR" sz="1800" strike="noStrike" spc="-1" dirty="0">
                 <a:solidFill>
                   <a:srgbClr val="000000"/>
                 </a:solidFill>
                 <a:uFill>
                   <a:solidFill>
-                    <a:srgbClr val="ffffff"/>
+                    <a:srgbClr val="FFFFFF"/>
                   </a:solidFill>
                 </a:uFill>
                 <a:latin typeface="Calibri"/>
                 <a:ea typeface="DejaVu Sans"/>
               </a:rPr>
-              <a:t>Ambientação:</a:t>
-            </a:r>
-            <a:r>
-              <a:rPr lang="pt-BR" sz="1800" spc="-1" strike="noStrike">
+              <a:t>10).</a:t>
+            </a:r>
+            <a:endParaRPr dirty="0"/>
+          </a:p>
+          <a:p>
+            <a:pPr algn="ctr">
+              <a:lnSpc>
+                <a:spcPct val="100000"/>
+              </a:lnSpc>
+            </a:pPr>
+            <a:r>
+              <a:rPr lang="pt-BR" sz="1800" b="1" strike="noStrike" spc="-1" dirty="0">
                 <a:solidFill>
                   <a:srgbClr val="000000"/>
                 </a:solidFill>
                 <a:uFill>
                   <a:solidFill>
-                    <a:srgbClr val="ffffff"/>
+                    <a:srgbClr val="FFFFFF"/>
                   </a:solidFill>
                 </a:uFill>
                 <a:latin typeface="Calibri"/>
                 <a:ea typeface="DejaVu Sans"/>
               </a:rPr>
-              <a:t> Grama verde com pedras.</a:t>
-            </a:r>
-            <a:endParaRPr/>
-          </a:p>
-          <a:p>
-            <a:pPr algn="ctr">
-              <a:lnSpc>
-                <a:spcPct val="100000"/>
-              </a:lnSpc>
-            </a:pPr>
-            <a:r>
-              <a:rPr b="1" lang="pt-BR" sz="1800" spc="-1" strike="noStrike">
+              <a:t>Público-Alvo: </a:t>
+            </a:r>
+            <a:r>
+              <a:rPr lang="pt-BR" sz="1800" strike="noStrike" spc="-1" dirty="0">
                 <a:solidFill>
                   <a:srgbClr val="000000"/>
                 </a:solidFill>
                 <a:uFill>
                   <a:solidFill>
-                    <a:srgbClr val="ffffff"/>
+                    <a:srgbClr val="FFFFFF"/>
                   </a:solidFill>
                 </a:uFill>
                 <a:latin typeface="Calibri"/>
                 <a:ea typeface="DejaVu Sans"/>
               </a:rPr>
-              <a:t>Objetivo do Projeto:</a:t>
-            </a:r>
-            <a:r>
-              <a:rPr lang="pt-BR" sz="1800" spc="-1" strike="noStrike">
+              <a:t>Os alunos do Mini Curso.</a:t>
+            </a:r>
+            <a:endParaRPr dirty="0"/>
+          </a:p>
+          <a:p>
+            <a:pPr algn="ctr">
+              <a:lnSpc>
+                <a:spcPct val="100000"/>
+              </a:lnSpc>
+            </a:pPr>
+            <a:r>
+              <a:rPr lang="pt-BR" sz="1800" b="1" strike="noStrike" spc="-1" dirty="0">
                 <a:solidFill>
                   <a:srgbClr val="000000"/>
                 </a:solidFill>
                 <a:uFill>
                   <a:solidFill>
-                    <a:srgbClr val="ffffff"/>
+                    <a:srgbClr val="FFFFFF"/>
                   </a:solidFill>
                 </a:uFill>
                 <a:latin typeface="Calibri"/>
                 <a:ea typeface="DejaVu Sans"/>
               </a:rPr>
-              <a:t>  O Objetivo é coletar todos os biscoitos.</a:t>
-            </a:r>
-            <a:endParaRPr/>
-          </a:p>
-          <a:p>
-            <a:pPr algn="ctr">
-              <a:lnSpc>
-                <a:spcPct val="100000"/>
-              </a:lnSpc>
-            </a:pPr>
-            <a:endParaRPr/>
-          </a:p>
-          <a:p>
-            <a:pPr algn="ctr">
-              <a:lnSpc>
-                <a:spcPct val="100000"/>
-              </a:lnSpc>
-            </a:pPr>
-            <a:endParaRPr/>
-          </a:p>
-          <a:p>
-            <a:pPr algn="ctr">
-              <a:lnSpc>
-                <a:spcPct val="100000"/>
-              </a:lnSpc>
-            </a:pPr>
-            <a:endParaRPr/>
-          </a:p>
-          <a:p>
-            <a:pPr algn="ctr">
-              <a:lnSpc>
-                <a:spcPct val="100000"/>
-              </a:lnSpc>
-            </a:pPr>
-            <a:r>
-              <a:rPr lang="pt-BR" sz="1600" spc="-1" strike="noStrike">
+              <a:t>História: </a:t>
+            </a:r>
+            <a:r>
+              <a:rPr lang="pt-BR" sz="1800" strike="noStrike" spc="-1" dirty="0">
                 <a:solidFill>
                   <a:srgbClr val="000000"/>
                 </a:solidFill>
                 <a:uFill>
                   <a:solidFill>
-                    <a:srgbClr val="ffffff"/>
+                    <a:srgbClr val="FFFFFF"/>
                   </a:solidFill>
                 </a:uFill>
                 <a:latin typeface="Calibri"/>
                 <a:ea typeface="DejaVu Sans"/>
               </a:rPr>
+              <a:t>Não possui</a:t>
+            </a:r>
+            <a:endParaRPr dirty="0"/>
+          </a:p>
+          <a:p>
+            <a:pPr algn="ctr">
+              <a:lnSpc>
+                <a:spcPct val="100000"/>
+              </a:lnSpc>
+            </a:pPr>
+            <a:r>
+              <a:rPr lang="pt-BR" sz="1800" b="1" strike="noStrike" spc="-1" dirty="0">
+                <a:solidFill>
+                  <a:srgbClr val="000000"/>
+                </a:solidFill>
+                <a:uFill>
+                  <a:solidFill>
+                    <a:srgbClr val="FFFFFF"/>
+                  </a:solidFill>
+                </a:uFill>
+                <a:latin typeface="Calibri"/>
+                <a:ea typeface="DejaVu Sans"/>
+              </a:rPr>
+              <a:t>Ambientação:</a:t>
+            </a:r>
+            <a:r>
+              <a:rPr lang="pt-BR" sz="1800" strike="noStrike" spc="-1" dirty="0">
+                <a:solidFill>
+                  <a:srgbClr val="000000"/>
+                </a:solidFill>
+                <a:uFill>
+                  <a:solidFill>
+                    <a:srgbClr val="FFFFFF"/>
+                  </a:solidFill>
+                </a:uFill>
+                <a:latin typeface="Calibri"/>
+                <a:ea typeface="DejaVu Sans"/>
+              </a:rPr>
+              <a:t> Grama verde com pedras.</a:t>
+            </a:r>
+            <a:endParaRPr dirty="0"/>
+          </a:p>
+          <a:p>
+            <a:pPr algn="ctr">
+              <a:lnSpc>
+                <a:spcPct val="100000"/>
+              </a:lnSpc>
+            </a:pPr>
+            <a:r>
+              <a:rPr lang="pt-BR" sz="1800" b="1" strike="noStrike" spc="-1" dirty="0">
+                <a:solidFill>
+                  <a:srgbClr val="000000"/>
+                </a:solidFill>
+                <a:uFill>
+                  <a:solidFill>
+                    <a:srgbClr val="FFFFFF"/>
+                  </a:solidFill>
+                </a:uFill>
+                <a:latin typeface="Calibri"/>
+                <a:ea typeface="DejaVu Sans"/>
+              </a:rPr>
+              <a:t>Objetivo do Projeto:</a:t>
+            </a:r>
+            <a:r>
+              <a:rPr lang="pt-BR" sz="1800" strike="noStrike" spc="-1" dirty="0">
+                <a:solidFill>
+                  <a:srgbClr val="000000"/>
+                </a:solidFill>
+                <a:uFill>
+                  <a:solidFill>
+                    <a:srgbClr val="FFFFFF"/>
+                  </a:solidFill>
+                </a:uFill>
+                <a:latin typeface="Calibri"/>
+                <a:ea typeface="DejaVu Sans"/>
+              </a:rPr>
+              <a:t>  O Objetivo é coletar todos os biscoitos.</a:t>
+            </a:r>
+            <a:endParaRPr dirty="0"/>
+          </a:p>
+          <a:p>
+            <a:pPr algn="ctr">
+              <a:lnSpc>
+                <a:spcPct val="100000"/>
+              </a:lnSpc>
+            </a:pPr>
+            <a:endParaRPr dirty="0"/>
+          </a:p>
+          <a:p>
+            <a:pPr algn="ctr">
+              <a:lnSpc>
+                <a:spcPct val="100000"/>
+              </a:lnSpc>
+            </a:pPr>
+            <a:endParaRPr dirty="0"/>
+          </a:p>
+          <a:p>
+            <a:pPr algn="ctr">
+              <a:lnSpc>
+                <a:spcPct val="100000"/>
+              </a:lnSpc>
+            </a:pPr>
+            <a:endParaRPr dirty="0"/>
+          </a:p>
+          <a:p>
+            <a:pPr algn="ctr">
+              <a:lnSpc>
+                <a:spcPct val="100000"/>
+              </a:lnSpc>
+            </a:pPr>
+            <a:r>
+              <a:rPr lang="pt-BR" sz="1600" strike="noStrike" spc="-1" dirty="0">
+                <a:solidFill>
+                  <a:srgbClr val="000000"/>
+                </a:solidFill>
+                <a:uFill>
+                  <a:solidFill>
+                    <a:srgbClr val="FFFFFF"/>
+                  </a:solidFill>
+                </a:uFill>
+                <a:latin typeface="Calibri"/>
+                <a:ea typeface="DejaVu Sans"/>
+              </a:rPr>
               <a:t>   </a:t>
             </a:r>
-            <a:endParaRPr/>
+            <a:endParaRPr dirty="0"/>
           </a:p>
           <a:p>
             <a:pPr algn="ctr">
@@ -3865,7 +4166,7 @@
                 <a:spcPct val="100000"/>
               </a:lnSpc>
             </a:pPr>
-            <a:endParaRPr/>
+            <a:endParaRPr dirty="0"/>
           </a:p>
           <a:p>
             <a:pPr algn="ctr">
@@ -3873,7 +4174,7 @@
                 <a:spcPct val="100000"/>
               </a:lnSpc>
             </a:pPr>
-            <a:endParaRPr/>
+            <a:endParaRPr dirty="0"/>
           </a:p>
           <a:p>
             <a:pPr algn="ctr">
@@ -3881,28 +4182,31 @@
                 <a:spcPct val="100000"/>
               </a:lnSpc>
             </a:pPr>
-            <a:endParaRPr/>
+            <a:endParaRPr dirty="0"/>
           </a:p>
         </p:txBody>
       </p:sp>
     </p:spTree>
   </p:cSld>
+  <p:clrMapOvr>
+    <a:masterClrMapping/>
+  </p:clrMapOvr>
   <p:timing>
     <p:tnLst>
       <p:par>
-        <p:cTn id="5" dur="indefinite" restart="never" nodeType="tmRoot">
+        <p:cTn id="1" dur="indefinite" restart="never" nodeType="tmRoot">
           <p:childTnLst>
             <p:seq>
-              <p:cTn id="6" nodeType="mainSeq"/>
+              <p:cTn id="2" nodeType="mainSeq"/>
               <p:prevCondLst>
-                <p:cond delay="0" evt="onPrev">
+                <p:cond evt="onPrev" delay="0">
                   <p:tgtEl>
                     <p:sldTgt/>
                   </p:tgtEl>
                 </p:cond>
               </p:prevCondLst>
               <p:nextCondLst>
-                <p:cond delay="0" evt="onNext">
+                <p:cond evt="onNext" delay="0">
                   <p:tgtEl>
                     <p:sldTgt/>
                   </p:tgtEl>
@@ -3918,7 +4222,7 @@
 </file>
 
 <file path=ppt/slides/slide4.xml><?xml version="1.0" encoding="utf-8"?>
-<p:sld xmlns:a="http://schemas.openxmlformats.org/drawingml/2006/main" xmlns:p="http://schemas.openxmlformats.org/presentationml/2006/main" xmlns:r="http://schemas.openxmlformats.org/officeDocument/2006/relationships">
+<p:sld xmlns:a="http://schemas.openxmlformats.org/drawingml/2006/main" xmlns:r="http://schemas.openxmlformats.org/officeDocument/2006/relationships" xmlns:p="http://schemas.openxmlformats.org/presentationml/2006/main">
   <p:cSld>
     <p:spTree>
       <p:nvGrpSpPr>
@@ -3954,13 +4258,20 @@
           </a:ln>
         </p:spPr>
         <p:style>
-          <a:lnRef idx="0"/>
-          <a:fillRef idx="0"/>
-          <a:effectRef idx="0"/>
+          <a:lnRef idx="0">
+            <a:scrgbClr r="0" g="0" b="0"/>
+          </a:lnRef>
+          <a:fillRef idx="0">
+            <a:scrgbClr r="0" g="0" b="0"/>
+          </a:fillRef>
+          <a:effectRef idx="0">
+            <a:scrgbClr r="0" g="0" b="0"/>
+          </a:effectRef>
           <a:fontRef idx="minor"/>
         </p:style>
         <p:txBody>
-          <a:bodyPr lIns="90000" rIns="90000" tIns="45000" bIns="45000" anchor="ctr"/>
+          <a:bodyPr lIns="90000" tIns="45000" rIns="90000" bIns="45000" anchor="ctr"/>
+          <a:lstStyle/>
           <a:p>
             <a:pPr algn="ctr">
               <a:lnSpc>
@@ -3968,13 +4279,13 @@
               </a:lnSpc>
             </a:pPr>
             <a:r>
-              <a:rPr b="1" lang="pt-BR" sz="1800" spc="-1" strike="noStrike">
+              <a:rPr lang="pt-BR" sz="1800" b="1" strike="noStrike" spc="-1">
                 <a:solidFill>
                   <a:srgbClr val="000000"/>
                 </a:solidFill>
                 <a:uFill>
                   <a:solidFill>
-                    <a:srgbClr val="ffffff"/>
+                    <a:srgbClr val="FFFFFF"/>
                   </a:solidFill>
                 </a:uFill>
                 <a:latin typeface="Calibri"/>
@@ -3991,13 +4302,13 @@
               </a:lnSpc>
             </a:pPr>
             <a:r>
-              <a:rPr b="1" lang="pt-BR" sz="1800" spc="-1" strike="noStrike">
+              <a:rPr lang="pt-BR" sz="1800" b="1" strike="noStrike" spc="-1">
                 <a:solidFill>
                   <a:srgbClr val="000000"/>
                 </a:solidFill>
                 <a:uFill>
                   <a:solidFill>
-                    <a:srgbClr val="ffffff"/>
+                    <a:srgbClr val="FFFFFF"/>
                   </a:solidFill>
                 </a:uFill>
                 <a:latin typeface="Calibri"/>
@@ -4014,13 +4325,13 @@
               </a:lnSpc>
             </a:pPr>
             <a:r>
-              <a:rPr b="1" lang="pt-BR" sz="1800" spc="-1" strike="noStrike">
+              <a:rPr lang="pt-BR" sz="1800" b="1" strike="noStrike" spc="-1">
                 <a:solidFill>
                   <a:srgbClr val="000000"/>
                 </a:solidFill>
                 <a:uFill>
                   <a:solidFill>
-                    <a:srgbClr val="ffffff"/>
+                    <a:srgbClr val="FFFFFF"/>
                   </a:solidFill>
                 </a:uFill>
                 <a:latin typeface="Calibri"/>
@@ -4061,34 +4372,19 @@
               </a:lnSpc>
             </a:pPr>
             <a:r>
-              <a:rPr b="1" lang="pt-BR" sz="1800" spc="-1" strike="noStrike">
+              <a:rPr lang="pt-BR" sz="1800" b="1" strike="noStrike" spc="-1">
                 <a:solidFill>
                   <a:srgbClr val="000000"/>
                 </a:solidFill>
                 <a:uFill>
                   <a:solidFill>
-                    <a:srgbClr val="ffffff"/>
+                    <a:srgbClr val="FFFFFF"/>
                   </a:solidFill>
                 </a:uFill>
                 <a:latin typeface="Calibri"/>
                 <a:ea typeface="DejaVu Sans"/>
               </a:rPr>
-              <a:t>                    </a:t>
-            </a:r>
-            <a:r>
-              <a:rPr b="1" lang="pt-BR" sz="1800" spc="-1" strike="noStrike">
-                <a:solidFill>
-                  <a:srgbClr val="000000"/>
-                </a:solidFill>
-                <a:uFill>
-                  <a:solidFill>
-                    <a:srgbClr val="ffffff"/>
-                  </a:solidFill>
-                </a:uFill>
-                <a:latin typeface="Calibri"/>
-                <a:ea typeface="DejaVu Sans"/>
-              </a:rPr>
-              <a:t>Personagem:                                                                              Biscoito:</a:t>
+              <a:t>                    Personagem:                                                                              Biscoito:</a:t>
             </a:r>
             <a:endParaRPr/>
           </a:p>
@@ -4096,30 +4392,7 @@
       </p:sp>
       <p:pic>
         <p:nvPicPr>
-          <p:cNvPr id="77" name="" descr=""/>
-          <p:cNvPicPr/>
-          <p:nvPr/>
-        </p:nvPicPr>
-        <p:blipFill>
-          <a:blip r:embed="rId1"/>
-          <a:stretch/>
-        </p:blipFill>
-        <p:spPr>
-          <a:xfrm>
-            <a:off x="1224000" y="4752000"/>
-            <a:ext cx="1504080" cy="865800"/>
-          </a:xfrm>
-          <a:prstGeom prst="rect">
-            <a:avLst/>
-          </a:prstGeom>
-          <a:ln>
-            <a:noFill/>
-          </a:ln>
-        </p:spPr>
-      </p:pic>
-      <p:pic>
-        <p:nvPicPr>
-          <p:cNvPr id="78" name="" descr=""/>
+          <p:cNvPr id="77" name="Imagem 76"/>
           <p:cNvPicPr/>
           <p:nvPr/>
         </p:nvPicPr>
@@ -4129,8 +4402,8 @@
         </p:blipFill>
         <p:spPr>
           <a:xfrm>
-            <a:off x="6709680" y="4536000"/>
-            <a:ext cx="634320" cy="634320"/>
+            <a:off x="1224000" y="4752000"/>
+            <a:ext cx="1504080" cy="865800"/>
           </a:xfrm>
           <a:prstGeom prst="rect">
             <a:avLst/>
@@ -4140,24 +4413,50 @@
           </a:ln>
         </p:spPr>
       </p:pic>
+      <p:pic>
+        <p:nvPicPr>
+          <p:cNvPr id="78" name="Imagem 77"/>
+          <p:cNvPicPr/>
+          <p:nvPr/>
+        </p:nvPicPr>
+        <p:blipFill>
+          <a:blip r:embed="rId3"/>
+          <a:stretch/>
+        </p:blipFill>
+        <p:spPr>
+          <a:xfrm>
+            <a:off x="6709680" y="4536000"/>
+            <a:ext cx="634320" cy="634320"/>
+          </a:xfrm>
+          <a:prstGeom prst="rect">
+            <a:avLst/>
+          </a:prstGeom>
+          <a:ln>
+            <a:noFill/>
+          </a:ln>
+        </p:spPr>
+      </p:pic>
     </p:spTree>
   </p:cSld>
+  <p:clrMapOvr>
+    <a:masterClrMapping/>
+  </p:clrMapOvr>
   <p:timing>
     <p:tnLst>
       <p:par>
-        <p:cTn id="7" dur="indefinite" restart="never" nodeType="tmRoot">
+        <p:cTn id="1" dur="indefinite" restart="never" nodeType="tmRoot">
           <p:childTnLst>
             <p:seq>
-              <p:cTn id="8" nodeType="mainSeq"/>
+              <p:cTn id="2" nodeType="mainSeq"/>
               <p:prevCondLst>
-                <p:cond delay="0" evt="onPrev">
+                <p:cond evt="onPrev" delay="0">
                   <p:tgtEl>
                     <p:sldTgt/>
                   </p:tgtEl>
                 </p:cond>
               </p:prevCondLst>
               <p:nextCondLst>
-                <p:cond delay="0" evt="onNext">
+                <p:cond evt="onNext" delay="0">
                   <p:tgtEl>
                     <p:sldTgt/>
                   </p:tgtEl>
@@ -4392,6 +4691,8 @@
       </a:bgFillStyleLst>
     </a:fmtScheme>
   </a:themeElements>
+  <a:objectDefaults/>
+  <a:extraClrSchemeLst/>
 </a:theme>
 </file>
 
@@ -4615,5 +4916,7 @@
       </a:bgFillStyleLst>
     </a:fmtScheme>
   </a:themeElements>
+  <a:objectDefaults/>
+  <a:extraClrSchemeLst/>
 </a:theme>
 </file>